--- a/presentation.pptx
+++ b/presentation.pptx
@@ -5,7 +5,7 @@
     <p:sldMasterId id="2147483648" r:id="rId1"/>
   </p:sldMasterIdLst>
   <p:notesMasterIdLst>
-    <p:notesMasterId r:id="rId16"/>
+    <p:notesMasterId r:id="rId18"/>
   </p:notesMasterIdLst>
   <p:sldIdLst>
     <p:sldId id="256" r:id="rId2"/>
@@ -22,6 +22,8 @@
     <p:sldId id="272" r:id="rId13"/>
     <p:sldId id="271" r:id="rId14"/>
     <p:sldId id="273" r:id="rId15"/>
+    <p:sldId id="274" r:id="rId16"/>
+    <p:sldId id="275" r:id="rId17"/>
   </p:sldIdLst>
   <p:sldSz cx="12192000" cy="6858000"/>
   <p:notesSz cx="6858000" cy="9144000"/>
@@ -694,156 +696,133 @@
           <a:p>
             <a:r>
               <a:rPr lang="de-DE" dirty="0"/>
-              <a:t>Given a plane, a </a:t>
-            </a:r>
-            <a:r>
-              <a:rPr lang="de-CH" b="1" dirty="0" err="1"/>
-              <a:t>Voronoi</a:t>
-            </a:r>
-            <a:r>
-              <a:rPr lang="de-CH" b="1" dirty="0"/>
-              <a:t> </a:t>
-            </a:r>
-            <a:r>
-              <a:rPr lang="de-CH" b="1" dirty="0" err="1"/>
-              <a:t>diagram</a:t>
-            </a:r>
-            <a:r>
-              <a:rPr lang="de-CH" dirty="0"/>
-              <a:t> </a:t>
-            </a:r>
-            <a:r>
-              <a:rPr lang="de-CH" dirty="0" err="1"/>
+              <a:t>Problem </a:t>
+            </a:r>
+            <a:r>
+              <a:rPr lang="de-DE" dirty="0" err="1"/>
+              <a:t>of</a:t>
+            </a:r>
+            <a:r>
+              <a:rPr lang="de-DE" dirty="0"/>
+              <a:t> </a:t>
+            </a:r>
+            <a:r>
+              <a:rPr lang="de-DE" dirty="0" err="1"/>
+              <a:t>voronoi</a:t>
+            </a:r>
+            <a:r>
+              <a:rPr lang="de-DE" dirty="0"/>
+              <a:t> </a:t>
+            </a:r>
+            <a:r>
+              <a:rPr lang="de-DE" dirty="0" err="1"/>
+              <a:t>diagrtam</a:t>
+            </a:r>
+            <a:r>
+              <a:rPr lang="de-DE" dirty="0"/>
+              <a:t> </a:t>
+            </a:r>
+            <a:r>
+              <a:rPr lang="de-DE" dirty="0" err="1"/>
               <a:t>is</a:t>
             </a:r>
             <a:r>
-              <a:rPr lang="de-CH" dirty="0"/>
+              <a:rPr lang="de-DE" dirty="0"/>
+              <a:t> </a:t>
+            </a:r>
+            <a:r>
+              <a:rPr lang="de-DE" dirty="0" err="1"/>
+              <a:t>partitioning</a:t>
+            </a:r>
+            <a:r>
+              <a:rPr lang="de-DE" dirty="0"/>
+              <a:t> a plane </a:t>
+            </a:r>
+            <a:r>
+              <a:rPr lang="de-DE" dirty="0" err="1"/>
+              <a:t>into</a:t>
+            </a:r>
+            <a:r>
+              <a:rPr lang="de-DE" dirty="0"/>
+              <a:t> </a:t>
+            </a:r>
+            <a:r>
+              <a:rPr lang="de-DE" dirty="0" err="1"/>
+              <a:t>regions</a:t>
+            </a:r>
+            <a:r>
+              <a:rPr lang="de-DE" dirty="0"/>
+              <a:t> </a:t>
+            </a:r>
+            <a:r>
+              <a:rPr lang="de-DE" dirty="0" err="1"/>
+              <a:t>closests</a:t>
+            </a:r>
+            <a:r>
+              <a:rPr lang="de-DE" dirty="0"/>
+              <a:t> </a:t>
+            </a:r>
+            <a:r>
+              <a:rPr lang="de-DE" dirty="0" err="1"/>
+              <a:t>to</a:t>
+            </a:r>
+            <a:r>
+              <a:rPr lang="de-DE" dirty="0"/>
+              <a:t> </a:t>
+            </a:r>
+            <a:r>
+              <a:rPr lang="de-DE" dirty="0" err="1"/>
+              <a:t>each</a:t>
+            </a:r>
+            <a:r>
+              <a:rPr lang="de-DE" dirty="0"/>
+              <a:t> </a:t>
+            </a:r>
+            <a:r>
+              <a:rPr lang="de-DE" dirty="0" err="1"/>
+              <a:t>of</a:t>
+            </a:r>
+            <a:r>
+              <a:rPr lang="de-DE" dirty="0"/>
               <a:t> a </a:t>
             </a:r>
             <a:r>
-              <a:rPr lang="de-CH" dirty="0">
-                <a:hlinkClick r:id="rId3" tooltip="Partition of a set"/>
-              </a:rPr>
-              <a:t>partition</a:t>
-            </a:r>
-            <a:r>
-              <a:rPr lang="de-CH" dirty="0"/>
-              <a:t> </a:t>
-            </a:r>
-            <a:r>
-              <a:rPr lang="de-CH" dirty="0" err="1"/>
+              <a:rPr lang="de-DE" dirty="0" err="1"/>
+              <a:t>given</a:t>
+            </a:r>
+            <a:r>
+              <a:rPr lang="de-DE" dirty="0"/>
+              <a:t> </a:t>
+            </a:r>
+            <a:r>
+              <a:rPr lang="de-DE" dirty="0" err="1"/>
+              <a:t>set</a:t>
+            </a:r>
+            <a:r>
+              <a:rPr lang="de-DE" dirty="0"/>
+              <a:t> </a:t>
+            </a:r>
+            <a:r>
+              <a:rPr lang="de-DE" dirty="0" err="1"/>
               <a:t>of</a:t>
             </a:r>
             <a:r>
-              <a:rPr lang="de-CH" dirty="0"/>
-              <a:t> </a:t>
-            </a:r>
-            <a:r>
-              <a:rPr lang="de-CH" dirty="0" err="1"/>
-              <a:t>the</a:t>
-            </a:r>
-            <a:r>
-              <a:rPr lang="de-CH" dirty="0"/>
-              <a:t> </a:t>
-            </a:r>
-            <a:r>
-              <a:rPr lang="de-CH" dirty="0">
-                <a:hlinkClick r:id="rId4" tooltip="Plane (geometry)"/>
-              </a:rPr>
-              <a:t>plane</a:t>
-            </a:r>
-            <a:r>
-              <a:rPr lang="de-CH" dirty="0"/>
-              <a:t> </a:t>
-            </a:r>
-            <a:r>
-              <a:rPr lang="de-CH" dirty="0" err="1"/>
-              <a:t>into</a:t>
-            </a:r>
-            <a:r>
-              <a:rPr lang="de-CH" dirty="0"/>
-              <a:t> </a:t>
-            </a:r>
-            <a:r>
-              <a:rPr lang="de-CH" dirty="0" err="1"/>
-              <a:t>regions</a:t>
-            </a:r>
-            <a:r>
-              <a:rPr lang="de-CH" dirty="0"/>
-              <a:t> </a:t>
-            </a:r>
-            <a:r>
-              <a:rPr lang="de-CH" dirty="0" err="1"/>
-              <a:t>closest</a:t>
-            </a:r>
-            <a:r>
-              <a:rPr lang="de-CH" dirty="0"/>
-              <a:t> </a:t>
-            </a:r>
-            <a:r>
-              <a:rPr lang="de-CH" dirty="0" err="1"/>
-              <a:t>to</a:t>
-            </a:r>
-            <a:r>
-              <a:rPr lang="de-CH" dirty="0"/>
-              <a:t> </a:t>
-            </a:r>
-            <a:r>
-              <a:rPr lang="de-CH" dirty="0" err="1"/>
-              <a:t>each</a:t>
-            </a:r>
-            <a:r>
-              <a:rPr lang="de-CH" dirty="0"/>
-              <a:t> </a:t>
-            </a:r>
-            <a:r>
-              <a:rPr lang="de-CH" dirty="0" err="1"/>
-              <a:t>of</a:t>
-            </a:r>
-            <a:r>
-              <a:rPr lang="de-CH" dirty="0"/>
-              <a:t> a </a:t>
-            </a:r>
-            <a:r>
-              <a:rPr lang="de-CH" dirty="0" err="1"/>
-              <a:t>given</a:t>
-            </a:r>
-            <a:r>
-              <a:rPr lang="de-CH" dirty="0"/>
-              <a:t> </a:t>
-            </a:r>
-            <a:r>
-              <a:rPr lang="de-CH" dirty="0" err="1"/>
-              <a:t>set</a:t>
-            </a:r>
-            <a:r>
-              <a:rPr lang="de-CH" dirty="0"/>
-              <a:t> </a:t>
-            </a:r>
-            <a:r>
-              <a:rPr lang="de-CH" dirty="0" err="1"/>
-              <a:t>of</a:t>
-            </a:r>
-            <a:r>
-              <a:rPr lang="de-CH" dirty="0"/>
-              <a:t> </a:t>
-            </a:r>
-            <a:r>
-              <a:rPr lang="de-CH" dirty="0" err="1"/>
+              <a:rPr lang="de-DE" dirty="0"/>
+              <a:t> </a:t>
+            </a:r>
+            <a:r>
+              <a:rPr lang="de-DE" dirty="0" err="1"/>
               <a:t>target</a:t>
             </a:r>
             <a:r>
-              <a:rPr lang="de-CH" dirty="0"/>
-              <a:t> </a:t>
-            </a:r>
-            <a:r>
-              <a:rPr lang="de-CH" dirty="0" err="1"/>
+              <a:rPr lang="de-DE" dirty="0"/>
+              <a:t> </a:t>
+            </a:r>
+            <a:r>
+              <a:rPr lang="de-DE" dirty="0" err="1"/>
               <a:t>points</a:t>
             </a:r>
-            <a:r>
-              <a:rPr lang="de-CH" dirty="0"/>
-              <a:t>.</a:t>
-            </a:r>
+            <a:endParaRPr lang="de-DE" dirty="0"/>
           </a:p>
           <a:p>
             <a:pPr marL="171450" indent="-171450">
@@ -1223,6 +1202,341 @@
             </a:r>
           </a:p>
           <a:p>
+            <a:endParaRPr lang="de-DE" dirty="0"/>
+          </a:p>
+          <a:p>
+            <a:r>
+              <a:rPr lang="de-DE" dirty="0"/>
+              <a:t>Implementation </a:t>
+            </a:r>
+            <a:r>
+              <a:rPr lang="de-DE" dirty="0" err="1"/>
+              <a:t>of</a:t>
+            </a:r>
+            <a:r>
+              <a:rPr lang="de-DE" dirty="0"/>
+              <a:t> </a:t>
+            </a:r>
+            <a:r>
+              <a:rPr lang="de-DE" dirty="0" err="1"/>
+              <a:t>those</a:t>
+            </a:r>
+            <a:r>
+              <a:rPr lang="de-DE" dirty="0"/>
+              <a:t> </a:t>
+            </a:r>
+            <a:r>
+              <a:rPr lang="de-DE" dirty="0" err="1"/>
+              <a:t>dictate</a:t>
+            </a:r>
+            <a:r>
+              <a:rPr lang="de-DE" dirty="0"/>
+              <a:t> </a:t>
+            </a:r>
+            <a:r>
+              <a:rPr lang="de-DE" dirty="0" err="1"/>
+              <a:t>the</a:t>
+            </a:r>
+            <a:r>
+              <a:rPr lang="de-DE" dirty="0"/>
+              <a:t> </a:t>
+            </a:r>
+            <a:r>
+              <a:rPr lang="de-DE" dirty="0" err="1"/>
+              <a:t>runtime</a:t>
+            </a:r>
+            <a:r>
+              <a:rPr lang="de-DE" dirty="0"/>
+              <a:t>, O(</a:t>
+            </a:r>
+            <a:r>
+              <a:rPr lang="de-DE" dirty="0" err="1"/>
+              <a:t>n</a:t>
+            </a:r>
+            <a:r>
+              <a:rPr lang="de-DE" dirty="0"/>
+              <a:t>) </a:t>
+            </a:r>
+            <a:r>
+              <a:rPr lang="de-DE" dirty="0" err="1"/>
+              <a:t>many</a:t>
+            </a:r>
+            <a:r>
+              <a:rPr lang="de-DE" dirty="0"/>
+              <a:t> </a:t>
+            </a:r>
+            <a:r>
+              <a:rPr lang="de-DE" dirty="0" err="1"/>
+              <a:t>events</a:t>
+            </a:r>
+            <a:r>
+              <a:rPr lang="de-DE" dirty="0"/>
+              <a:t>, </a:t>
+            </a:r>
+            <a:r>
+              <a:rPr lang="de-DE" dirty="0" err="1"/>
+              <a:t>each</a:t>
+            </a:r>
+            <a:r>
+              <a:rPr lang="de-DE" dirty="0"/>
+              <a:t> </a:t>
+            </a:r>
+            <a:r>
+              <a:rPr lang="de-DE" dirty="0" err="1"/>
+              <a:t>add</a:t>
+            </a:r>
+            <a:r>
+              <a:rPr lang="de-DE" dirty="0"/>
+              <a:t>/</a:t>
+            </a:r>
+            <a:r>
+              <a:rPr lang="de-DE" dirty="0" err="1"/>
+              <a:t>lookup</a:t>
+            </a:r>
+            <a:r>
+              <a:rPr lang="de-DE" dirty="0"/>
+              <a:t> </a:t>
+            </a:r>
+            <a:r>
+              <a:rPr lang="de-DE" dirty="0" err="1"/>
+              <a:t>or</a:t>
+            </a:r>
+            <a:r>
+              <a:rPr lang="de-DE" dirty="0"/>
+              <a:t> </a:t>
+            </a:r>
+            <a:r>
+              <a:rPr lang="de-DE" dirty="0" err="1"/>
+              <a:t>deletes</a:t>
+            </a:r>
+            <a:r>
+              <a:rPr lang="de-DE" dirty="0"/>
+              <a:t> </a:t>
+            </a:r>
+            <a:r>
+              <a:rPr lang="de-DE" dirty="0" err="1"/>
+              <a:t>something</a:t>
+            </a:r>
+            <a:r>
+              <a:rPr lang="de-DE" dirty="0"/>
+              <a:t> in </a:t>
+            </a:r>
+            <a:r>
+              <a:rPr lang="de-DE" dirty="0" err="1"/>
+              <a:t>the</a:t>
+            </a:r>
+            <a:r>
+              <a:rPr lang="de-DE" dirty="0"/>
+              <a:t> </a:t>
+            </a:r>
+            <a:r>
+              <a:rPr lang="de-DE" dirty="0" err="1"/>
+              <a:t>beachline</a:t>
+            </a:r>
+            <a:endParaRPr lang="de-DE" dirty="0"/>
+          </a:p>
+          <a:p>
+            <a:r>
+              <a:rPr lang="de-DE" dirty="0" err="1"/>
+              <a:t>For</a:t>
+            </a:r>
+            <a:r>
+              <a:rPr lang="de-DE" dirty="0"/>
+              <a:t> </a:t>
+            </a:r>
+            <a:r>
+              <a:rPr lang="de-DE" dirty="0" err="1"/>
+              <a:t>the</a:t>
+            </a:r>
+            <a:r>
+              <a:rPr lang="de-DE" dirty="0"/>
+              <a:t> Eventqueue I </a:t>
+            </a:r>
+            <a:r>
+              <a:rPr lang="de-DE" dirty="0" err="1"/>
+              <a:t>used</a:t>
+            </a:r>
+            <a:r>
+              <a:rPr lang="de-DE" dirty="0"/>
+              <a:t> a </a:t>
+            </a:r>
+            <a:r>
+              <a:rPr lang="de-DE" dirty="0" err="1"/>
+              <a:t>priority</a:t>
+            </a:r>
+            <a:r>
+              <a:rPr lang="de-DE" dirty="0"/>
+              <a:t> </a:t>
+            </a:r>
+            <a:r>
+              <a:rPr lang="de-DE" dirty="0" err="1"/>
+              <a:t>queue</a:t>
+            </a:r>
+            <a:endParaRPr lang="de-DE" dirty="0"/>
+          </a:p>
+          <a:p>
+            <a:r>
+              <a:rPr lang="de-DE" dirty="0"/>
+              <a:t>Beachline </a:t>
+            </a:r>
+            <a:r>
+              <a:rPr lang="de-DE" dirty="0" err="1"/>
+              <a:t>is</a:t>
+            </a:r>
+            <a:r>
+              <a:rPr lang="de-DE" dirty="0"/>
+              <a:t> a </a:t>
+            </a:r>
+            <a:r>
+              <a:rPr lang="de-DE" dirty="0" err="1"/>
+              <a:t>linked</a:t>
+            </a:r>
+            <a:r>
+              <a:rPr lang="de-DE" dirty="0"/>
+              <a:t> </a:t>
+            </a:r>
+            <a:r>
+              <a:rPr lang="de-DE" dirty="0" err="1"/>
+              <a:t>list</a:t>
+            </a:r>
+            <a:endParaRPr lang="de-DE" dirty="0"/>
+          </a:p>
+          <a:p>
+            <a:endParaRPr lang="de-DE" dirty="0"/>
+          </a:p>
+          <a:p>
+            <a:r>
+              <a:rPr lang="de-DE" dirty="0"/>
+              <a:t>Performance suboptimal, </a:t>
+            </a:r>
+            <a:r>
+              <a:rPr lang="de-DE" dirty="0" err="1"/>
+              <a:t>beachline</a:t>
+            </a:r>
+            <a:r>
+              <a:rPr lang="de-DE" dirty="0"/>
+              <a:t> </a:t>
+            </a:r>
+            <a:r>
+              <a:rPr lang="de-DE" dirty="0" err="1"/>
+              <a:t>could</a:t>
+            </a:r>
+            <a:r>
+              <a:rPr lang="de-DE" dirty="0"/>
+              <a:t> </a:t>
+            </a:r>
+            <a:r>
+              <a:rPr lang="de-DE" dirty="0" err="1"/>
+              <a:t>be</a:t>
+            </a:r>
+            <a:r>
+              <a:rPr lang="de-DE" dirty="0"/>
+              <a:t> a </a:t>
+            </a:r>
+            <a:r>
+              <a:rPr lang="de-DE" dirty="0" err="1"/>
+              <a:t>binary</a:t>
+            </a:r>
+            <a:r>
+              <a:rPr lang="de-DE" dirty="0"/>
+              <a:t> </a:t>
+            </a:r>
+            <a:r>
+              <a:rPr lang="de-DE" dirty="0" err="1"/>
+              <a:t>search</a:t>
+            </a:r>
+            <a:r>
+              <a:rPr lang="de-DE" dirty="0"/>
+              <a:t> </a:t>
+            </a:r>
+            <a:r>
+              <a:rPr lang="de-DE" dirty="0" err="1"/>
+              <a:t>tree</a:t>
+            </a:r>
+            <a:r>
+              <a:rPr lang="de-DE" dirty="0"/>
+              <a:t> </a:t>
+            </a:r>
+            <a:r>
+              <a:rPr lang="de-DE" dirty="0" err="1"/>
+              <a:t>which</a:t>
+            </a:r>
+            <a:r>
+              <a:rPr lang="de-DE" dirty="0"/>
+              <a:t> </a:t>
+            </a:r>
+            <a:r>
+              <a:rPr lang="de-DE" dirty="0" err="1"/>
+              <a:t>provides</a:t>
+            </a:r>
+            <a:r>
+              <a:rPr lang="de-DE" dirty="0"/>
+              <a:t> </a:t>
+            </a:r>
+            <a:r>
+              <a:rPr lang="de-DE" dirty="0" err="1"/>
+              <a:t>the</a:t>
+            </a:r>
+            <a:r>
+              <a:rPr lang="de-DE" dirty="0"/>
+              <a:t> </a:t>
+            </a:r>
+            <a:r>
+              <a:rPr lang="de-DE" dirty="0" err="1"/>
+              <a:t>functionalities</a:t>
+            </a:r>
+            <a:r>
+              <a:rPr lang="de-DE" dirty="0"/>
+              <a:t> in O(log </a:t>
+            </a:r>
+            <a:r>
+              <a:rPr lang="de-DE" dirty="0" err="1"/>
+              <a:t>n</a:t>
+            </a:r>
+            <a:r>
+              <a:rPr lang="de-DE" dirty="0"/>
+              <a:t>) </a:t>
+            </a:r>
+            <a:r>
+              <a:rPr lang="de-DE" dirty="0" err="1"/>
+              <a:t>instead</a:t>
+            </a:r>
+            <a:r>
+              <a:rPr lang="de-DE" dirty="0"/>
+              <a:t> O(</a:t>
+            </a:r>
+            <a:r>
+              <a:rPr lang="de-DE" dirty="0" err="1"/>
+              <a:t>n</a:t>
+            </a:r>
+            <a:r>
+              <a:rPr lang="de-DE" dirty="0"/>
+              <a:t>)</a:t>
+            </a:r>
+          </a:p>
+          <a:p>
+            <a:r>
+              <a:rPr lang="de-DE" dirty="0" err="1"/>
+              <a:t>Later</a:t>
+            </a:r>
+            <a:r>
+              <a:rPr lang="de-DE" dirty="0"/>
+              <a:t> </a:t>
+            </a:r>
+            <a:r>
+              <a:rPr lang="de-DE" dirty="0" err="1"/>
+              <a:t>improvement</a:t>
+            </a:r>
+            <a:endParaRPr lang="de-DE" dirty="0"/>
+          </a:p>
+          <a:p>
+            <a:pPr marL="628650" lvl="1" indent="-171450">
+              <a:buFontTx/>
+              <a:buChar char="-"/>
+            </a:pPr>
+            <a:endParaRPr lang="de-DE" dirty="0"/>
+          </a:p>
+          <a:p>
             <a:pPr marL="628650" lvl="1" indent="-171450">
               <a:buFontTx/>
               <a:buChar char="-"/>
@@ -1940,6 +2254,30 @@
               <a:rPr lang="de-DE" dirty="0" err="1"/>
               <a:t>algorithm</a:t>
             </a:r>
+            <a:r>
+              <a:rPr lang="de-DE" dirty="0"/>
+              <a:t>, </a:t>
+            </a:r>
+            <a:r>
+              <a:rPr lang="de-DE" dirty="0" err="1"/>
+              <a:t>namely</a:t>
+            </a:r>
+            <a:r>
+              <a:rPr lang="de-DE" dirty="0"/>
+              <a:t> </a:t>
+            </a:r>
+            <a:r>
+              <a:rPr lang="de-DE" dirty="0" err="1"/>
+              <a:t>target</a:t>
+            </a:r>
+            <a:r>
+              <a:rPr lang="de-DE" dirty="0"/>
+              <a:t> </a:t>
+            </a:r>
+            <a:r>
+              <a:rPr lang="de-DE" dirty="0" err="1"/>
+              <a:t>points</a:t>
+            </a:r>
             <a:endParaRPr lang="de-DE" dirty="0"/>
           </a:p>
           <a:p>
@@ -2037,6 +2375,46 @@
             <a:r>
               <a:rPr lang="de-DE" dirty="0" err="1"/>
               <a:t>python</a:t>
+            </a:r>
+            <a:r>
+              <a:rPr lang="de-DE" dirty="0"/>
+              <a:t>, </a:t>
+            </a:r>
+            <a:r>
+              <a:rPr lang="de-DE" dirty="0" err="1"/>
+              <a:t>namely</a:t>
+            </a:r>
+            <a:r>
+              <a:rPr lang="de-DE" dirty="0"/>
+              <a:t> </a:t>
+            </a:r>
+            <a:r>
+              <a:rPr lang="de-DE" dirty="0" err="1"/>
+              <a:t>everything</a:t>
+            </a:r>
+            <a:r>
+              <a:rPr lang="de-DE" dirty="0"/>
+              <a:t> </a:t>
+            </a:r>
+            <a:r>
+              <a:rPr lang="de-DE" dirty="0" err="1"/>
+              <a:t>from</a:t>
+            </a:r>
+            <a:r>
+              <a:rPr lang="de-DE" dirty="0"/>
+              <a:t> </a:t>
+            </a:r>
+            <a:r>
+              <a:rPr lang="de-DE" dirty="0" err="1"/>
+              <a:t>the</a:t>
+            </a:r>
+            <a:r>
+              <a:rPr lang="de-DE" dirty="0"/>
+              <a:t> </a:t>
+            </a:r>
+            <a:r>
+              <a:rPr lang="de-DE" dirty="0" err="1"/>
+              <a:t>diagram</a:t>
             </a:r>
             <a:endParaRPr lang="de-DE" dirty="0"/>
           </a:p>
@@ -2178,9 +2556,12 @@
               <a:rPr lang="de-DE" dirty="0" err="1"/>
               <a:t>c++</a:t>
             </a:r>
-            <a:r>
-              <a:rPr lang="de-DE" dirty="0"/>
-              <a:t>. </a:t>
+            <a:endParaRPr lang="de-DE" dirty="0"/>
+          </a:p>
+          <a:p>
+            <a:r>
+              <a:rPr lang="de-DE" dirty="0"/>
+              <a:t>- </a:t>
             </a:r>
             <a:r>
               <a:rPr lang="de-DE" dirty="0" err="1"/>
@@ -2300,8 +2681,21 @@
             </a:r>
             <a:r>
               <a:rPr lang="de-DE" dirty="0"/>
-              <a:t>.</a:t>
-            </a:r>
+              <a:t> </a:t>
+            </a:r>
+            <a:r>
+              <a:rPr lang="de-DE" dirty="0" err="1"/>
+              <a:t>from</a:t>
+            </a:r>
+            <a:r>
+              <a:rPr lang="de-DE" dirty="0"/>
+              <a:t> </a:t>
+            </a:r>
+            <a:r>
+              <a:rPr lang="de-DE" dirty="0" err="1"/>
+              <a:t>c++</a:t>
+            </a:r>
+            <a:endParaRPr lang="de-DE" dirty="0"/>
           </a:p>
           <a:p>
             <a:endParaRPr lang="de-DE" dirty="0"/>
@@ -2456,10 +2850,13 @@
               <a:rPr lang="de-DE" dirty="0" err="1"/>
               <a:t>overhead</a:t>
             </a:r>
-            <a:r>
-              <a:rPr lang="de-DE" dirty="0"/>
-              <a:t>, </a:t>
-            </a:r>
+            <a:endParaRPr lang="de-DE" dirty="0"/>
+          </a:p>
+          <a:p>
+            <a:pPr marL="171450" indent="-171450">
+              <a:buFontTx/>
+              <a:buChar char="-"/>
+            </a:pPr>
             <a:r>
               <a:rPr lang="de-DE" dirty="0" err="1"/>
               <a:t>c++</a:t>
@@ -2884,6 +3281,22 @@
               <a:rPr lang="de-DE" dirty="0" err="1"/>
               <a:t>compared</a:t>
             </a:r>
+            <a:r>
+              <a:rPr lang="de-DE" dirty="0"/>
+              <a:t> </a:t>
+            </a:r>
+            <a:r>
+              <a:rPr lang="de-DE" dirty="0" err="1"/>
+              <a:t>the</a:t>
+            </a:r>
+            <a:r>
+              <a:rPr lang="de-DE" dirty="0"/>
+              <a:t> </a:t>
+            </a:r>
+            <a:r>
+              <a:rPr lang="de-DE" dirty="0" err="1"/>
+              <a:t>polygons</a:t>
+            </a:r>
             <a:endParaRPr lang="de-DE" dirty="0"/>
           </a:p>
           <a:p>
@@ -2945,7 +3358,50 @@
               <a:rPr lang="de-DE" dirty="0" err="1"/>
               <a:t>logging</a:t>
             </a:r>
-            <a:endParaRPr lang="de-DE" dirty="0"/>
+            <a:r>
+              <a:rPr lang="de-DE" dirty="0"/>
+              <a:t> </a:t>
+            </a:r>
+            <a:r>
+              <a:rPr lang="de-DE" dirty="0" err="1"/>
+              <a:t>which</a:t>
+            </a:r>
+            <a:r>
+              <a:rPr lang="de-DE" dirty="0"/>
+              <a:t> </a:t>
+            </a:r>
+            <a:r>
+              <a:rPr lang="de-DE" dirty="0" err="1"/>
+              <a:t>can</a:t>
+            </a:r>
+            <a:r>
+              <a:rPr lang="de-DE" dirty="0"/>
+              <a:t> </a:t>
+            </a:r>
+            <a:r>
+              <a:rPr lang="de-DE" dirty="0" err="1"/>
+              <a:t>be</a:t>
+            </a:r>
+            <a:r>
+              <a:rPr lang="de-DE" dirty="0"/>
+              <a:t> </a:t>
+            </a:r>
+            <a:r>
+              <a:rPr lang="de-DE" dirty="0" err="1"/>
+              <a:t>opted</a:t>
+            </a:r>
+            <a:r>
+              <a:rPr lang="de-DE" dirty="0"/>
+              <a:t> in </a:t>
+            </a:r>
+            <a:r>
+              <a:rPr lang="de-DE" dirty="0" err="1"/>
+              <a:t>or</a:t>
+            </a:r>
+            <a:r>
+              <a:rPr lang="de-DE" dirty="0"/>
+              <a:t> out</a:t>
+            </a:r>
           </a:p>
           <a:p>
             <a:endParaRPr lang="de-DE" dirty="0"/>
@@ -3072,6 +3528,214 @@
 </p:notes>
 </file>
 
+<file path=ppt/notesSlides/notesSlide15.xml><?xml version="1.0" encoding="utf-8"?>
+<p:notes xmlns:a="http://schemas.openxmlformats.org/drawingml/2006/main" xmlns:r="http://schemas.openxmlformats.org/officeDocument/2006/relationships" xmlns:p="http://schemas.openxmlformats.org/presentationml/2006/main">
+  <p:cSld>
+    <p:spTree>
+      <p:nvGrpSpPr>
+        <p:cNvPr id="1" name=""/>
+        <p:cNvGrpSpPr/>
+        <p:nvPr/>
+      </p:nvGrpSpPr>
+      <p:grpSpPr>
+        <a:xfrm>
+          <a:off x="0" y="0"/>
+          <a:ext cx="0" cy="0"/>
+          <a:chOff x="0" y="0"/>
+          <a:chExt cx="0" cy="0"/>
+        </a:xfrm>
+      </p:grpSpPr>
+      <p:sp>
+        <p:nvSpPr>
+          <p:cNvPr id="2" name="Folienbildplatzhalter 1"/>
+          <p:cNvSpPr>
+            <a:spLocks noGrp="1" noRot="1" noChangeAspect="1"/>
+          </p:cNvSpPr>
+          <p:nvPr>
+            <p:ph type="sldImg"/>
+          </p:nvPr>
+        </p:nvSpPr>
+        <p:spPr/>
+      </p:sp>
+      <p:sp>
+        <p:nvSpPr>
+          <p:cNvPr id="3" name="Notizenplatzhalter 2"/>
+          <p:cNvSpPr>
+            <a:spLocks noGrp="1"/>
+          </p:cNvSpPr>
+          <p:nvPr>
+            <p:ph type="body" idx="1"/>
+          </p:nvPr>
+        </p:nvSpPr>
+        <p:spPr/>
+        <p:txBody>
+          <a:bodyPr/>
+          <a:lstStyle/>
+          <a:p>
+            <a:r>
+              <a:rPr lang="de-DE" dirty="0" err="1"/>
+              <a:t>c++</a:t>
+            </a:r>
+            <a:r>
+              <a:rPr lang="de-DE" dirty="0"/>
+              <a:t> </a:t>
+            </a:r>
+            <a:r>
+              <a:rPr lang="de-DE" dirty="0" err="1"/>
+              <a:t>returns</a:t>
+            </a:r>
+            <a:r>
+              <a:rPr lang="de-DE" dirty="0"/>
+              <a:t> </a:t>
+            </a:r>
+            <a:r>
+              <a:rPr lang="de-DE" dirty="0" err="1"/>
+              <a:t>two</a:t>
+            </a:r>
+            <a:r>
+              <a:rPr lang="de-DE" dirty="0"/>
+              <a:t> </a:t>
+            </a:r>
+            <a:r>
+              <a:rPr lang="de-DE" dirty="0" err="1"/>
+              <a:t>types</a:t>
+            </a:r>
+            <a:r>
+              <a:rPr lang="de-DE" dirty="0"/>
+              <a:t> </a:t>
+            </a:r>
+            <a:r>
+              <a:rPr lang="de-DE" dirty="0" err="1"/>
+              <a:t>of</a:t>
+            </a:r>
+            <a:r>
+              <a:rPr lang="de-DE" dirty="0"/>
+              <a:t> </a:t>
+            </a:r>
+            <a:r>
+              <a:rPr lang="de-DE" dirty="0" err="1"/>
+              <a:t>edges</a:t>
+            </a:r>
+            <a:endParaRPr lang="de-DE" dirty="0"/>
+          </a:p>
+          <a:p>
+            <a:pPr marL="171450" indent="-171450">
+              <a:buFontTx/>
+              <a:buChar char="-"/>
+            </a:pPr>
+            <a:r>
+              <a:rPr lang="de-DE" dirty="0" err="1"/>
+              <a:t>Finished</a:t>
+            </a:r>
+            <a:r>
+              <a:rPr lang="de-DE" dirty="0"/>
+              <a:t> </a:t>
+            </a:r>
+            <a:r>
+              <a:rPr lang="de-DE" dirty="0" err="1"/>
+              <a:t>ones</a:t>
+            </a:r>
+            <a:endParaRPr lang="de-DE" dirty="0"/>
+          </a:p>
+          <a:p>
+            <a:pPr marL="171450" indent="-171450">
+              <a:buFontTx/>
+              <a:buChar char="-"/>
+            </a:pPr>
+            <a:r>
+              <a:rPr lang="de-DE" dirty="0"/>
+              <a:t>Open </a:t>
+            </a:r>
+            <a:r>
+              <a:rPr lang="de-DE" dirty="0" err="1"/>
+              <a:t>ones</a:t>
+            </a:r>
+            <a:endParaRPr lang="de-DE" dirty="0"/>
+          </a:p>
+          <a:p>
+            <a:pPr marL="171450" indent="-171450">
+              <a:buFontTx/>
+              <a:buChar char="-"/>
+            </a:pPr>
+            <a:endParaRPr lang="de-DE" dirty="0"/>
+          </a:p>
+          <a:p>
+            <a:pPr marL="0" indent="0">
+              <a:buFontTx/>
+              <a:buNone/>
+            </a:pPr>
+            <a:r>
+              <a:rPr lang="de-DE" dirty="0"/>
+              <a:t>Python </a:t>
+            </a:r>
+            <a:r>
+              <a:rPr lang="de-DE" dirty="0" err="1"/>
+              <a:t>should</a:t>
+            </a:r>
+            <a:r>
+              <a:rPr lang="de-DE" dirty="0"/>
+              <a:t> „</a:t>
+            </a:r>
+            <a:r>
+              <a:rPr lang="de-DE" dirty="0" err="1"/>
+              <a:t>bound</a:t>
+            </a:r>
+            <a:r>
+              <a:rPr lang="de-DE" dirty="0"/>
+              <a:t>“ </a:t>
+            </a:r>
+            <a:r>
+              <a:rPr lang="de-DE" dirty="0" err="1"/>
+              <a:t>this</a:t>
+            </a:r>
+            <a:r>
+              <a:rPr lang="de-DE" dirty="0"/>
+              <a:t> </a:t>
+            </a:r>
+            <a:r>
+              <a:rPr lang="de-DE" dirty="0" err="1"/>
+              <a:t>edges</a:t>
+            </a:r>
+            <a:endParaRPr lang="de-DE" dirty="0"/>
+          </a:p>
+        </p:txBody>
+      </p:sp>
+      <p:sp>
+        <p:nvSpPr>
+          <p:cNvPr id="4" name="Foliennummernplatzhalter 3"/>
+          <p:cNvSpPr>
+            <a:spLocks noGrp="1"/>
+          </p:cNvSpPr>
+          <p:nvPr>
+            <p:ph type="sldNum" sz="quarter" idx="5"/>
+          </p:nvPr>
+        </p:nvSpPr>
+        <p:spPr/>
+        <p:txBody>
+          <a:bodyPr/>
+          <a:lstStyle/>
+          <a:p>
+            <a:fld id="{E0A5CCF5-A4B2-064C-8680-D17D19C2702A}" type="slidenum">
+              <a:rPr lang="de-DE" smtClean="0"/>
+              <a:t>15</a:t>
+            </a:fld>
+            <a:endParaRPr lang="de-DE"/>
+          </a:p>
+        </p:txBody>
+      </p:sp>
+    </p:spTree>
+    <p:extLst>
+      <p:ext uri="{BB962C8B-B14F-4D97-AF65-F5344CB8AC3E}">
+        <p14:creationId xmlns:p14="http://schemas.microsoft.com/office/powerpoint/2010/main" val="672977245"/>
+      </p:ext>
+    </p:extLst>
+  </p:cSld>
+  <p:clrMapOvr>
+    <a:masterClrMapping/>
+  </p:clrMapOvr>
+</p:notes>
+</file>
+
 <file path=ppt/notesSlides/notesSlide2.xml><?xml version="1.0" encoding="utf-8"?>
 <p:notes xmlns:a="http://schemas.openxmlformats.org/drawingml/2006/main" xmlns:r="http://schemas.openxmlformats.org/officeDocument/2006/relationships" xmlns:p="http://schemas.openxmlformats.org/presentationml/2006/main">
   <p:cSld>
@@ -5140,6 +5804,14 @@
               <a:rPr lang="de-DE" dirty="0" err="1"/>
               <a:t>discussion</a:t>
             </a:r>
+            <a:r>
+              <a:rPr lang="de-DE" dirty="0"/>
+              <a:t> in </a:t>
+            </a:r>
+            <a:r>
+              <a:rPr lang="de-DE" dirty="0" err="1"/>
+              <a:t>reality</a:t>
+            </a:r>
             <a:endParaRPr lang="de-DE" dirty="0"/>
           </a:p>
         </p:txBody>
@@ -5673,182 +6345,6 @@
           </a:p>
           <a:p>
             <a:endParaRPr lang="de-CH" dirty="0"/>
-          </a:p>
-          <a:p>
-            <a:r>
-              <a:rPr lang="de-CH" dirty="0"/>
-              <a:t>The </a:t>
-            </a:r>
-            <a:r>
-              <a:rPr lang="de-CH" dirty="0" err="1"/>
-              <a:t>length</a:t>
-            </a:r>
-            <a:r>
-              <a:rPr lang="de-CH" dirty="0"/>
-              <a:t> </a:t>
-            </a:r>
-            <a:r>
-              <a:rPr lang="de-CH" dirty="0" err="1"/>
-              <a:t>of</a:t>
-            </a:r>
-            <a:r>
-              <a:rPr lang="de-CH" dirty="0"/>
-              <a:t> an </a:t>
-            </a:r>
-            <a:r>
-              <a:rPr lang="de-CH" dirty="0" err="1"/>
-              <a:t>arc</a:t>
-            </a:r>
-            <a:r>
-              <a:rPr lang="de-CH" dirty="0"/>
-              <a:t> </a:t>
-            </a:r>
-            <a:r>
-              <a:rPr lang="de-CH" dirty="0" err="1"/>
-              <a:t>shrinks</a:t>
-            </a:r>
-            <a:r>
-              <a:rPr lang="de-CH" dirty="0"/>
-              <a:t> </a:t>
-            </a:r>
-            <a:r>
-              <a:rPr lang="de-CH" dirty="0" err="1"/>
-              <a:t>to</a:t>
-            </a:r>
-            <a:r>
-              <a:rPr lang="de-CH" dirty="0"/>
-              <a:t> </a:t>
-            </a:r>
-            <a:r>
-              <a:rPr lang="de-CH" dirty="0" err="1"/>
-              <a:t>zero</a:t>
-            </a:r>
-            <a:r>
-              <a:rPr lang="de-CH" dirty="0"/>
-              <a:t>, a </a:t>
-            </a:r>
-            <a:r>
-              <a:rPr lang="de-CH" dirty="0" err="1"/>
-              <a:t>new</a:t>
-            </a:r>
-            <a:r>
-              <a:rPr lang="de-CH" dirty="0"/>
-              <a:t> </a:t>
-            </a:r>
-            <a:r>
-              <a:rPr lang="de-CH" dirty="0" err="1"/>
-              <a:t>vertex</a:t>
-            </a:r>
-            <a:r>
-              <a:rPr lang="de-CH" dirty="0"/>
-              <a:t> in </a:t>
-            </a:r>
-            <a:r>
-              <a:rPr lang="de-CH" dirty="0" err="1"/>
-              <a:t>the</a:t>
-            </a:r>
-            <a:r>
-              <a:rPr lang="de-CH" dirty="0"/>
-              <a:t> </a:t>
-            </a:r>
-            <a:r>
-              <a:rPr lang="de-CH" dirty="0" err="1"/>
-              <a:t>Voronoi</a:t>
-            </a:r>
-            <a:r>
-              <a:rPr lang="de-CH" dirty="0"/>
-              <a:t> </a:t>
-            </a:r>
-            <a:r>
-              <a:rPr lang="de-CH" dirty="0" err="1"/>
-              <a:t>diagram</a:t>
-            </a:r>
-            <a:r>
-              <a:rPr lang="de-CH" dirty="0"/>
-              <a:t> </a:t>
-            </a:r>
-            <a:r>
-              <a:rPr lang="de-CH" dirty="0" err="1"/>
-              <a:t>is</a:t>
-            </a:r>
-            <a:r>
-              <a:rPr lang="de-CH" dirty="0"/>
-              <a:t> </a:t>
-            </a:r>
-            <a:r>
-              <a:rPr lang="de-CH" dirty="0" err="1"/>
-              <a:t>created</a:t>
-            </a:r>
-            <a:r>
-              <a:rPr lang="de-CH" dirty="0"/>
-              <a:t>.</a:t>
-            </a:r>
-          </a:p>
-          <a:p>
-            <a:r>
-              <a:rPr lang="de-CH" dirty="0"/>
-              <a:t> </a:t>
-            </a:r>
-            <a:r>
-              <a:rPr lang="de-CH" dirty="0" err="1"/>
-              <a:t>from</a:t>
-            </a:r>
-            <a:r>
-              <a:rPr lang="de-CH" dirty="0"/>
-              <a:t> </a:t>
-            </a:r>
-            <a:r>
-              <a:rPr lang="de-CH" dirty="0" err="1"/>
-              <a:t>there</a:t>
-            </a:r>
-            <a:r>
-              <a:rPr lang="de-CH" dirty="0"/>
-              <a:t> a </a:t>
-            </a:r>
-            <a:r>
-              <a:rPr lang="de-CH" dirty="0" err="1"/>
-              <a:t>new</a:t>
-            </a:r>
-            <a:r>
-              <a:rPr lang="de-CH" dirty="0"/>
-              <a:t>  </a:t>
-            </a:r>
-            <a:r>
-              <a:rPr lang="de-CH" dirty="0" err="1"/>
-              <a:t>voronoi</a:t>
-            </a:r>
-            <a:r>
-              <a:rPr lang="de-CH" dirty="0"/>
-              <a:t> </a:t>
-            </a:r>
-            <a:r>
-              <a:rPr lang="de-CH" dirty="0" err="1"/>
-              <a:t>cell</a:t>
-            </a:r>
-            <a:r>
-              <a:rPr lang="de-CH" dirty="0"/>
-              <a:t> </a:t>
-            </a:r>
-            <a:r>
-              <a:rPr lang="de-CH" dirty="0" err="1"/>
-              <a:t>boundary</a:t>
-            </a:r>
-            <a:r>
-              <a:rPr lang="de-CH" dirty="0"/>
-              <a:t> </a:t>
-            </a:r>
-            <a:r>
-              <a:rPr lang="de-CH" dirty="0" err="1"/>
-              <a:t>starts</a:t>
-            </a:r>
-            <a:endParaRPr lang="de-DE" dirty="0"/>
-          </a:p>
-          <a:p>
-            <a:pPr marL="171450" indent="-171450">
-              <a:buFontTx/>
-              <a:buChar char="-"/>
-            </a:pPr>
-            <a:endParaRPr lang="de-DE" dirty="0"/>
           </a:p>
           <a:p>
             <a:pPr marL="171450" indent="-171450">
@@ -10583,14 +11079,47 @@
             <a:pPr lvl="1"/>
             <a:r>
               <a:rPr lang="de-DE" dirty="0"/>
-              <a:t>Event Queue</a:t>
+              <a:t>Event Queue O(log </a:t>
+            </a:r>
+            <a:r>
+              <a:rPr lang="de-DE" dirty="0" err="1"/>
+              <a:t>n</a:t>
+            </a:r>
+            <a:r>
+              <a:rPr lang="de-DE" dirty="0"/>
+              <a:t>)</a:t>
             </a:r>
           </a:p>
           <a:p>
             <a:pPr lvl="1"/>
             <a:r>
               <a:rPr lang="de-DE" dirty="0"/>
-              <a:t>Beachline</a:t>
+              <a:t>Beachline O(</a:t>
+            </a:r>
+            <a:r>
+              <a:rPr lang="de-DE" dirty="0" err="1"/>
+              <a:t>n</a:t>
+            </a:r>
+            <a:r>
+              <a:rPr lang="de-DE" dirty="0"/>
+              <a:t>)</a:t>
+            </a:r>
+          </a:p>
+          <a:p>
+            <a:pPr marL="0" indent="0">
+              <a:buNone/>
+            </a:pPr>
+            <a:r>
+              <a:rPr lang="de-DE" dirty="0"/>
+              <a:t>Performance suboptimal O(n</a:t>
+            </a:r>
+            <a:r>
+              <a:rPr lang="de-DE" baseline="30000" dirty="0"/>
+              <a:t>2</a:t>
+            </a:r>
+            <a:r>
+              <a:rPr lang="de-DE" dirty="0"/>
+              <a:t>)</a:t>
             </a:r>
           </a:p>
           <a:p>
@@ -15503,6 +16032,2007 @@
     <p:extLst>
       <p:ext uri="{BB962C8B-B14F-4D97-AF65-F5344CB8AC3E}">
         <p14:creationId xmlns:p14="http://schemas.microsoft.com/office/powerpoint/2010/main" val="1227070088"/>
+      </p:ext>
+    </p:extLst>
+  </p:cSld>
+  <p:clrMapOvr>
+    <a:masterClrMapping/>
+  </p:clrMapOvr>
+</p:sld>
+</file>
+
+<file path=ppt/slides/slide15.xml><?xml version="1.0" encoding="utf-8"?>
+<p:sld xmlns:a="http://schemas.openxmlformats.org/drawingml/2006/main" xmlns:r="http://schemas.openxmlformats.org/officeDocument/2006/relationships" xmlns:p="http://schemas.openxmlformats.org/presentationml/2006/main">
+  <p:cSld>
+    <p:spTree>
+      <p:nvGrpSpPr>
+        <p:cNvPr id="1" name=""/>
+        <p:cNvGrpSpPr/>
+        <p:nvPr/>
+      </p:nvGrpSpPr>
+      <p:grpSpPr>
+        <a:xfrm>
+          <a:off x="0" y="0"/>
+          <a:ext cx="0" cy="0"/>
+          <a:chOff x="0" y="0"/>
+          <a:chExt cx="0" cy="0"/>
+        </a:xfrm>
+      </p:grpSpPr>
+      <p:sp>
+        <p:nvSpPr>
+          <p:cNvPr id="2" name="Titel 1">
+            <a:extLst>
+              <a:ext uri="{FF2B5EF4-FFF2-40B4-BE49-F238E27FC236}">
+                <a16:creationId xmlns:a16="http://schemas.microsoft.com/office/drawing/2014/main" id="{946C28A5-BAE2-5034-0E80-417162D37E68}"/>
+              </a:ext>
+            </a:extLst>
+          </p:cNvPr>
+          <p:cNvSpPr>
+            <a:spLocks noGrp="1"/>
+          </p:cNvSpPr>
+          <p:nvPr>
+            <p:ph type="title"/>
+          </p:nvPr>
+        </p:nvSpPr>
+        <p:spPr/>
+        <p:txBody>
+          <a:bodyPr/>
+          <a:lstStyle/>
+          <a:p>
+            <a:r>
+              <a:rPr lang="de-DE" dirty="0"/>
+              <a:t>Bug </a:t>
+            </a:r>
+            <a:r>
+              <a:rPr lang="de-DE" dirty="0" err="1"/>
+              <a:t>analysis</a:t>
+            </a:r>
+            <a:endParaRPr lang="de-DE" dirty="0"/>
+          </a:p>
+        </p:txBody>
+      </p:sp>
+      <p:pic>
+        <p:nvPicPr>
+          <p:cNvPr id="4" name="Picture 2" descr="Blank Graphs">
+            <a:extLst>
+              <a:ext uri="{FF2B5EF4-FFF2-40B4-BE49-F238E27FC236}">
+                <a16:creationId xmlns:a16="http://schemas.microsoft.com/office/drawing/2014/main" id="{D28166A0-3185-6096-D678-913259495989}"/>
+              </a:ext>
+            </a:extLst>
+          </p:cNvPr>
+          <p:cNvPicPr>
+            <a:picLocks noChangeAspect="1" noChangeArrowheads="1"/>
+          </p:cNvPicPr>
+          <p:nvPr/>
+        </p:nvPicPr>
+        <p:blipFill>
+          <a:blip r:embed="rId3">
+            <a:alphaModFix amt="58000"/>
+            <a:extLst>
+              <a:ext uri="{28A0092B-C50C-407E-A947-70E740481C1C}">
+                <a14:useLocalDpi xmlns:a14="http://schemas.microsoft.com/office/drawing/2010/main" val="0"/>
+              </a:ext>
+            </a:extLst>
+          </a:blip>
+          <a:srcRect/>
+          <a:stretch>
+            <a:fillRect/>
+          </a:stretch>
+        </p:blipFill>
+        <p:spPr bwMode="auto">
+          <a:xfrm>
+            <a:off x="2205318" y="1264773"/>
+            <a:ext cx="7362015" cy="5521511"/>
+          </a:xfrm>
+          <a:prstGeom prst="rect">
+            <a:avLst/>
+          </a:prstGeom>
+          <a:noFill/>
+          <a:ln w="44450">
+            <a:noFill/>
+          </a:ln>
+          <a:extLst>
+            <a:ext uri="{909E8E84-426E-40DD-AFC4-6F175D3DCCD1}">
+              <a14:hiddenFill xmlns:a14="http://schemas.microsoft.com/office/drawing/2010/main">
+                <a:solidFill>
+                  <a:srgbClr val="FFFFFF"/>
+                </a:solidFill>
+              </a14:hiddenFill>
+            </a:ext>
+          </a:extLst>
+        </p:spPr>
+      </p:pic>
+      <p:sp>
+        <p:nvSpPr>
+          <p:cNvPr id="8" name="Textfeld 7">
+            <a:extLst>
+              <a:ext uri="{FF2B5EF4-FFF2-40B4-BE49-F238E27FC236}">
+                <a16:creationId xmlns:a16="http://schemas.microsoft.com/office/drawing/2014/main" id="{5507A28C-EDE9-6BC3-FAF5-23D5EF8A0BA5}"/>
+              </a:ext>
+            </a:extLst>
+          </p:cNvPr>
+          <p:cNvSpPr txBox="1"/>
+          <p:nvPr/>
+        </p:nvSpPr>
+        <p:spPr>
+          <a:xfrm>
+            <a:off x="5955196" y="2987952"/>
+            <a:ext cx="304892" cy="369332"/>
+          </a:xfrm>
+          <a:prstGeom prst="rect">
+            <a:avLst/>
+          </a:prstGeom>
+          <a:noFill/>
+        </p:spPr>
+        <p:txBody>
+          <a:bodyPr wrap="none" rtlCol="0">
+            <a:spAutoFit/>
+          </a:bodyPr>
+          <a:lstStyle/>
+          <a:p>
+            <a:r>
+              <a:rPr lang="de-DE" dirty="0"/>
+              <a:t>X</a:t>
+            </a:r>
+          </a:p>
+        </p:txBody>
+      </p:sp>
+      <p:sp>
+        <p:nvSpPr>
+          <p:cNvPr id="10" name="Textfeld 9">
+            <a:extLst>
+              <a:ext uri="{FF2B5EF4-FFF2-40B4-BE49-F238E27FC236}">
+                <a16:creationId xmlns:a16="http://schemas.microsoft.com/office/drawing/2014/main" id="{5CBE0703-C52A-80EF-A7D1-F29BFE8B23E0}"/>
+              </a:ext>
+            </a:extLst>
+          </p:cNvPr>
+          <p:cNvSpPr txBox="1"/>
+          <p:nvPr/>
+        </p:nvSpPr>
+        <p:spPr>
+          <a:xfrm>
+            <a:off x="6580561" y="2504490"/>
+            <a:ext cx="304892" cy="369332"/>
+          </a:xfrm>
+          <a:prstGeom prst="rect">
+            <a:avLst/>
+          </a:prstGeom>
+          <a:noFill/>
+        </p:spPr>
+        <p:txBody>
+          <a:bodyPr wrap="none" rtlCol="0">
+            <a:spAutoFit/>
+          </a:bodyPr>
+          <a:lstStyle/>
+          <a:p>
+            <a:r>
+              <a:rPr lang="de-DE" dirty="0"/>
+              <a:t>X</a:t>
+            </a:r>
+          </a:p>
+        </p:txBody>
+      </p:sp>
+      <p:sp>
+        <p:nvSpPr>
+          <p:cNvPr id="11" name="Textfeld 10">
+            <a:extLst>
+              <a:ext uri="{FF2B5EF4-FFF2-40B4-BE49-F238E27FC236}">
+                <a16:creationId xmlns:a16="http://schemas.microsoft.com/office/drawing/2014/main" id="{9B56048D-159A-BBF2-1567-3A9FDD9748D0}"/>
+              </a:ext>
+            </a:extLst>
+          </p:cNvPr>
+          <p:cNvSpPr txBox="1"/>
+          <p:nvPr/>
+        </p:nvSpPr>
+        <p:spPr>
+          <a:xfrm>
+            <a:off x="6580561" y="3500438"/>
+            <a:ext cx="304892" cy="369332"/>
+          </a:xfrm>
+          <a:prstGeom prst="rect">
+            <a:avLst/>
+          </a:prstGeom>
+          <a:noFill/>
+        </p:spPr>
+        <p:txBody>
+          <a:bodyPr wrap="none" rtlCol="0">
+            <a:spAutoFit/>
+          </a:bodyPr>
+          <a:lstStyle/>
+          <a:p>
+            <a:r>
+              <a:rPr lang="de-DE" dirty="0"/>
+              <a:t>X</a:t>
+            </a:r>
+          </a:p>
+        </p:txBody>
+      </p:sp>
+      <p:sp>
+        <p:nvSpPr>
+          <p:cNvPr id="12" name="Textfeld 11">
+            <a:extLst>
+              <a:ext uri="{FF2B5EF4-FFF2-40B4-BE49-F238E27FC236}">
+                <a16:creationId xmlns:a16="http://schemas.microsoft.com/office/drawing/2014/main" id="{BA28414F-5D6B-D5C1-BB19-BC08FC1D7957}"/>
+              </a:ext>
+            </a:extLst>
+          </p:cNvPr>
+          <p:cNvSpPr txBox="1"/>
+          <p:nvPr/>
+        </p:nvSpPr>
+        <p:spPr>
+          <a:xfrm>
+            <a:off x="5335089" y="2509747"/>
+            <a:ext cx="304892" cy="369332"/>
+          </a:xfrm>
+          <a:prstGeom prst="rect">
+            <a:avLst/>
+          </a:prstGeom>
+          <a:noFill/>
+        </p:spPr>
+        <p:txBody>
+          <a:bodyPr wrap="none" rtlCol="0">
+            <a:spAutoFit/>
+          </a:bodyPr>
+          <a:lstStyle/>
+          <a:p>
+            <a:r>
+              <a:rPr lang="de-DE" dirty="0"/>
+              <a:t>X</a:t>
+            </a:r>
+          </a:p>
+        </p:txBody>
+      </p:sp>
+      <p:sp>
+        <p:nvSpPr>
+          <p:cNvPr id="13" name="Textfeld 12">
+            <a:extLst>
+              <a:ext uri="{FF2B5EF4-FFF2-40B4-BE49-F238E27FC236}">
+                <a16:creationId xmlns:a16="http://schemas.microsoft.com/office/drawing/2014/main" id="{D8AD0D99-F7E0-3848-3CBB-5551B800E269}"/>
+              </a:ext>
+            </a:extLst>
+          </p:cNvPr>
+          <p:cNvSpPr txBox="1"/>
+          <p:nvPr/>
+        </p:nvSpPr>
+        <p:spPr>
+          <a:xfrm>
+            <a:off x="5335089" y="3505695"/>
+            <a:ext cx="304892" cy="369332"/>
+          </a:xfrm>
+          <a:prstGeom prst="rect">
+            <a:avLst/>
+          </a:prstGeom>
+          <a:noFill/>
+        </p:spPr>
+        <p:txBody>
+          <a:bodyPr wrap="none" rtlCol="0">
+            <a:spAutoFit/>
+          </a:bodyPr>
+          <a:lstStyle/>
+          <a:p>
+            <a:r>
+              <a:rPr lang="de-DE" dirty="0"/>
+              <a:t>X</a:t>
+            </a:r>
+          </a:p>
+        </p:txBody>
+      </p:sp>
+      <p:sp>
+        <p:nvSpPr>
+          <p:cNvPr id="14" name="Textfeld 13">
+            <a:extLst>
+              <a:ext uri="{FF2B5EF4-FFF2-40B4-BE49-F238E27FC236}">
+                <a16:creationId xmlns:a16="http://schemas.microsoft.com/office/drawing/2014/main" id="{22435FD8-832F-9533-B1CD-47D9D86EBCAC}"/>
+              </a:ext>
+            </a:extLst>
+          </p:cNvPr>
+          <p:cNvSpPr txBox="1"/>
+          <p:nvPr/>
+        </p:nvSpPr>
+        <p:spPr>
+          <a:xfrm>
+            <a:off x="5938778" y="2504490"/>
+            <a:ext cx="304892" cy="369332"/>
+          </a:xfrm>
+          <a:prstGeom prst="rect">
+            <a:avLst/>
+          </a:prstGeom>
+          <a:noFill/>
+        </p:spPr>
+        <p:txBody>
+          <a:bodyPr wrap="none" rtlCol="0">
+            <a:spAutoFit/>
+          </a:bodyPr>
+          <a:lstStyle/>
+          <a:p>
+            <a:r>
+              <a:rPr lang="de-DE" dirty="0">
+                <a:solidFill>
+                  <a:schemeClr val="bg2">
+                    <a:lumMod val="75000"/>
+                  </a:schemeClr>
+                </a:solidFill>
+              </a:rPr>
+              <a:t>X</a:t>
+            </a:r>
+          </a:p>
+        </p:txBody>
+      </p:sp>
+      <p:sp>
+        <p:nvSpPr>
+          <p:cNvPr id="15" name="Textfeld 14">
+            <a:extLst>
+              <a:ext uri="{FF2B5EF4-FFF2-40B4-BE49-F238E27FC236}">
+                <a16:creationId xmlns:a16="http://schemas.microsoft.com/office/drawing/2014/main" id="{98013222-4747-D5B6-3749-01394B0E3513}"/>
+              </a:ext>
+            </a:extLst>
+          </p:cNvPr>
+          <p:cNvSpPr txBox="1"/>
+          <p:nvPr/>
+        </p:nvSpPr>
+        <p:spPr>
+          <a:xfrm>
+            <a:off x="5325884" y="3007721"/>
+            <a:ext cx="304892" cy="369332"/>
+          </a:xfrm>
+          <a:prstGeom prst="rect">
+            <a:avLst/>
+          </a:prstGeom>
+          <a:noFill/>
+        </p:spPr>
+        <p:txBody>
+          <a:bodyPr wrap="none" rtlCol="0">
+            <a:spAutoFit/>
+          </a:bodyPr>
+          <a:lstStyle/>
+          <a:p>
+            <a:r>
+              <a:rPr lang="de-DE" dirty="0">
+                <a:solidFill>
+                  <a:schemeClr val="bg2">
+                    <a:lumMod val="75000"/>
+                  </a:schemeClr>
+                </a:solidFill>
+              </a:rPr>
+              <a:t>X</a:t>
+            </a:r>
+          </a:p>
+        </p:txBody>
+      </p:sp>
+      <p:sp>
+        <p:nvSpPr>
+          <p:cNvPr id="16" name="Textfeld 15">
+            <a:extLst>
+              <a:ext uri="{FF2B5EF4-FFF2-40B4-BE49-F238E27FC236}">
+                <a16:creationId xmlns:a16="http://schemas.microsoft.com/office/drawing/2014/main" id="{CF5937F9-21D8-BD01-DD3A-86C7FA423CAF}"/>
+              </a:ext>
+            </a:extLst>
+          </p:cNvPr>
+          <p:cNvSpPr txBox="1"/>
+          <p:nvPr/>
+        </p:nvSpPr>
+        <p:spPr>
+          <a:xfrm>
+            <a:off x="6580561" y="3002464"/>
+            <a:ext cx="304892" cy="369332"/>
+          </a:xfrm>
+          <a:prstGeom prst="rect">
+            <a:avLst/>
+          </a:prstGeom>
+          <a:noFill/>
+        </p:spPr>
+        <p:txBody>
+          <a:bodyPr wrap="none" rtlCol="0">
+            <a:spAutoFit/>
+          </a:bodyPr>
+          <a:lstStyle/>
+          <a:p>
+            <a:r>
+              <a:rPr lang="de-DE" dirty="0">
+                <a:solidFill>
+                  <a:schemeClr val="bg2">
+                    <a:lumMod val="75000"/>
+                  </a:schemeClr>
+                </a:solidFill>
+              </a:rPr>
+              <a:t>X</a:t>
+            </a:r>
+          </a:p>
+        </p:txBody>
+      </p:sp>
+      <p:sp>
+        <p:nvSpPr>
+          <p:cNvPr id="17" name="Textfeld 16">
+            <a:extLst>
+              <a:ext uri="{FF2B5EF4-FFF2-40B4-BE49-F238E27FC236}">
+                <a16:creationId xmlns:a16="http://schemas.microsoft.com/office/drawing/2014/main" id="{110E818F-0946-CC98-281A-8655B132D737}"/>
+              </a:ext>
+            </a:extLst>
+          </p:cNvPr>
+          <p:cNvSpPr txBox="1"/>
+          <p:nvPr/>
+        </p:nvSpPr>
+        <p:spPr>
+          <a:xfrm>
+            <a:off x="5950781" y="3500438"/>
+            <a:ext cx="304892" cy="369332"/>
+          </a:xfrm>
+          <a:prstGeom prst="rect">
+            <a:avLst/>
+          </a:prstGeom>
+          <a:noFill/>
+        </p:spPr>
+        <p:txBody>
+          <a:bodyPr wrap="none" rtlCol="0">
+            <a:spAutoFit/>
+          </a:bodyPr>
+          <a:lstStyle/>
+          <a:p>
+            <a:r>
+              <a:rPr lang="de-DE" dirty="0">
+                <a:solidFill>
+                  <a:schemeClr val="bg2">
+                    <a:lumMod val="75000"/>
+                  </a:schemeClr>
+                </a:solidFill>
+              </a:rPr>
+              <a:t>X</a:t>
+            </a:r>
+          </a:p>
+        </p:txBody>
+      </p:sp>
+      <p:cxnSp>
+        <p:nvCxnSpPr>
+          <p:cNvPr id="18" name="Gerade Verbindung 17">
+            <a:extLst>
+              <a:ext uri="{FF2B5EF4-FFF2-40B4-BE49-F238E27FC236}">
+                <a16:creationId xmlns:a16="http://schemas.microsoft.com/office/drawing/2014/main" id="{35544743-1E8F-6385-3107-FDB57782A71F}"/>
+              </a:ext>
+            </a:extLst>
+          </p:cNvPr>
+          <p:cNvCxnSpPr>
+            <a:cxnSpLocks/>
+          </p:cNvCxnSpPr>
+          <p:nvPr/>
+        </p:nvCxnSpPr>
+        <p:spPr>
+          <a:xfrm flipH="1">
+            <a:off x="5475890" y="2680138"/>
+            <a:ext cx="620110" cy="504496"/>
+          </a:xfrm>
+          <a:prstGeom prst="line">
+            <a:avLst/>
+          </a:prstGeom>
+          <a:ln w="38100">
+            <a:solidFill>
+              <a:srgbClr val="FF0000"/>
+            </a:solidFill>
+          </a:ln>
+        </p:spPr>
+        <p:style>
+          <a:lnRef idx="1">
+            <a:schemeClr val="accent1"/>
+          </a:lnRef>
+          <a:fillRef idx="0">
+            <a:schemeClr val="accent1"/>
+          </a:fillRef>
+          <a:effectRef idx="0">
+            <a:schemeClr val="accent1"/>
+          </a:effectRef>
+          <a:fontRef idx="minor">
+            <a:schemeClr val="tx1"/>
+          </a:fontRef>
+        </p:style>
+      </p:cxnSp>
+      <p:cxnSp>
+        <p:nvCxnSpPr>
+          <p:cNvPr id="22" name="Gerade Verbindung 21">
+            <a:extLst>
+              <a:ext uri="{FF2B5EF4-FFF2-40B4-BE49-F238E27FC236}">
+                <a16:creationId xmlns:a16="http://schemas.microsoft.com/office/drawing/2014/main" id="{E59644AC-D571-B9DC-4C00-21A5A0B54259}"/>
+              </a:ext>
+            </a:extLst>
+          </p:cNvPr>
+          <p:cNvCxnSpPr>
+            <a:cxnSpLocks/>
+          </p:cNvCxnSpPr>
+          <p:nvPr/>
+        </p:nvCxnSpPr>
+        <p:spPr>
+          <a:xfrm>
+            <a:off x="6096000" y="2680138"/>
+            <a:ext cx="651641" cy="504496"/>
+          </a:xfrm>
+          <a:prstGeom prst="line">
+            <a:avLst/>
+          </a:prstGeom>
+          <a:ln w="38100">
+            <a:solidFill>
+              <a:srgbClr val="FF0000"/>
+            </a:solidFill>
+          </a:ln>
+        </p:spPr>
+        <p:style>
+          <a:lnRef idx="1">
+            <a:schemeClr val="accent1"/>
+          </a:lnRef>
+          <a:fillRef idx="0">
+            <a:schemeClr val="accent1"/>
+          </a:fillRef>
+          <a:effectRef idx="0">
+            <a:schemeClr val="accent1"/>
+          </a:effectRef>
+          <a:fontRef idx="minor">
+            <a:schemeClr val="tx1"/>
+          </a:fontRef>
+        </p:style>
+      </p:cxnSp>
+      <p:cxnSp>
+        <p:nvCxnSpPr>
+          <p:cNvPr id="25" name="Gerade Verbindung 24">
+            <a:extLst>
+              <a:ext uri="{FF2B5EF4-FFF2-40B4-BE49-F238E27FC236}">
+                <a16:creationId xmlns:a16="http://schemas.microsoft.com/office/drawing/2014/main" id="{98A178DC-2DA7-D341-9D01-B232FA0D50E1}"/>
+              </a:ext>
+            </a:extLst>
+          </p:cNvPr>
+          <p:cNvCxnSpPr>
+            <a:cxnSpLocks/>
+          </p:cNvCxnSpPr>
+          <p:nvPr/>
+        </p:nvCxnSpPr>
+        <p:spPr>
+          <a:xfrm flipV="1">
+            <a:off x="6096000" y="3184634"/>
+            <a:ext cx="651641" cy="488733"/>
+          </a:xfrm>
+          <a:prstGeom prst="line">
+            <a:avLst/>
+          </a:prstGeom>
+          <a:ln w="38100">
+            <a:solidFill>
+              <a:srgbClr val="FF0000"/>
+            </a:solidFill>
+          </a:ln>
+        </p:spPr>
+        <p:style>
+          <a:lnRef idx="1">
+            <a:schemeClr val="accent1"/>
+          </a:lnRef>
+          <a:fillRef idx="0">
+            <a:schemeClr val="accent1"/>
+          </a:fillRef>
+          <a:effectRef idx="0">
+            <a:schemeClr val="accent1"/>
+          </a:effectRef>
+          <a:fontRef idx="minor">
+            <a:schemeClr val="tx1"/>
+          </a:fontRef>
+        </p:style>
+      </p:cxnSp>
+      <p:cxnSp>
+        <p:nvCxnSpPr>
+          <p:cNvPr id="28" name="Gerade Verbindung 27">
+            <a:extLst>
+              <a:ext uri="{FF2B5EF4-FFF2-40B4-BE49-F238E27FC236}">
+                <a16:creationId xmlns:a16="http://schemas.microsoft.com/office/drawing/2014/main" id="{2B06D524-5F83-9AC1-09D2-A948AC439C74}"/>
+              </a:ext>
+            </a:extLst>
+          </p:cNvPr>
+          <p:cNvCxnSpPr>
+            <a:cxnSpLocks/>
+          </p:cNvCxnSpPr>
+          <p:nvPr/>
+        </p:nvCxnSpPr>
+        <p:spPr>
+          <a:xfrm flipH="1" flipV="1">
+            <a:off x="5475890" y="3184634"/>
+            <a:ext cx="620110" cy="488733"/>
+          </a:xfrm>
+          <a:prstGeom prst="line">
+            <a:avLst/>
+          </a:prstGeom>
+          <a:ln w="38100">
+            <a:solidFill>
+              <a:srgbClr val="FF0000"/>
+            </a:solidFill>
+          </a:ln>
+        </p:spPr>
+        <p:style>
+          <a:lnRef idx="1">
+            <a:schemeClr val="accent1"/>
+          </a:lnRef>
+          <a:fillRef idx="0">
+            <a:schemeClr val="accent1"/>
+          </a:fillRef>
+          <a:effectRef idx="0">
+            <a:schemeClr val="accent1"/>
+          </a:effectRef>
+          <a:fontRef idx="minor">
+            <a:schemeClr val="tx1"/>
+          </a:fontRef>
+        </p:style>
+      </p:cxnSp>
+      <p:cxnSp>
+        <p:nvCxnSpPr>
+          <p:cNvPr id="31" name="Gerade Verbindung 30">
+            <a:extLst>
+              <a:ext uri="{FF2B5EF4-FFF2-40B4-BE49-F238E27FC236}">
+                <a16:creationId xmlns:a16="http://schemas.microsoft.com/office/drawing/2014/main" id="{84EC5596-B0F4-E6A9-4C6B-5E4150BFCAEB}"/>
+              </a:ext>
+            </a:extLst>
+          </p:cNvPr>
+          <p:cNvCxnSpPr>
+            <a:cxnSpLocks/>
+          </p:cNvCxnSpPr>
+          <p:nvPr/>
+        </p:nvCxnSpPr>
+        <p:spPr>
+          <a:xfrm>
+            <a:off x="4277710" y="3184634"/>
+            <a:ext cx="1198180" cy="0"/>
+          </a:xfrm>
+          <a:prstGeom prst="line">
+            <a:avLst/>
+          </a:prstGeom>
+          <a:ln w="38100">
+            <a:solidFill>
+              <a:srgbClr val="FF0000"/>
+            </a:solidFill>
+            <a:headEnd type="triangle"/>
+          </a:ln>
+        </p:spPr>
+        <p:style>
+          <a:lnRef idx="1">
+            <a:schemeClr val="accent1"/>
+          </a:lnRef>
+          <a:fillRef idx="0">
+            <a:schemeClr val="accent1"/>
+          </a:fillRef>
+          <a:effectRef idx="0">
+            <a:schemeClr val="accent1"/>
+          </a:effectRef>
+          <a:fontRef idx="minor">
+            <a:schemeClr val="tx1"/>
+          </a:fontRef>
+        </p:style>
+      </p:cxnSp>
+      <p:cxnSp>
+        <p:nvCxnSpPr>
+          <p:cNvPr id="34" name="Gerade Verbindung 33">
+            <a:extLst>
+              <a:ext uri="{FF2B5EF4-FFF2-40B4-BE49-F238E27FC236}">
+                <a16:creationId xmlns:a16="http://schemas.microsoft.com/office/drawing/2014/main" id="{4B00135E-65B5-5C7F-C3CB-0FB8F85B01A7}"/>
+              </a:ext>
+            </a:extLst>
+          </p:cNvPr>
+          <p:cNvCxnSpPr>
+            <a:cxnSpLocks/>
+          </p:cNvCxnSpPr>
+          <p:nvPr/>
+        </p:nvCxnSpPr>
+        <p:spPr>
+          <a:xfrm>
+            <a:off x="6096000" y="1608083"/>
+            <a:ext cx="0" cy="1072055"/>
+          </a:xfrm>
+          <a:prstGeom prst="line">
+            <a:avLst/>
+          </a:prstGeom>
+          <a:ln w="38100">
+            <a:solidFill>
+              <a:srgbClr val="FF0000"/>
+            </a:solidFill>
+            <a:headEnd type="triangle"/>
+          </a:ln>
+        </p:spPr>
+        <p:style>
+          <a:lnRef idx="1">
+            <a:schemeClr val="accent1"/>
+          </a:lnRef>
+          <a:fillRef idx="0">
+            <a:schemeClr val="accent1"/>
+          </a:fillRef>
+          <a:effectRef idx="0">
+            <a:schemeClr val="accent1"/>
+          </a:effectRef>
+          <a:fontRef idx="minor">
+            <a:schemeClr val="tx1"/>
+          </a:fontRef>
+        </p:style>
+      </p:cxnSp>
+      <p:cxnSp>
+        <p:nvCxnSpPr>
+          <p:cNvPr id="37" name="Gerade Verbindung 36">
+            <a:extLst>
+              <a:ext uri="{FF2B5EF4-FFF2-40B4-BE49-F238E27FC236}">
+                <a16:creationId xmlns:a16="http://schemas.microsoft.com/office/drawing/2014/main" id="{14EAA118-5468-5BDE-90CA-78BD045DE836}"/>
+              </a:ext>
+            </a:extLst>
+          </p:cNvPr>
+          <p:cNvCxnSpPr>
+            <a:cxnSpLocks/>
+          </p:cNvCxnSpPr>
+          <p:nvPr/>
+        </p:nvCxnSpPr>
+        <p:spPr>
+          <a:xfrm flipH="1">
+            <a:off x="6747641" y="3184634"/>
+            <a:ext cx="1282262" cy="0"/>
+          </a:xfrm>
+          <a:prstGeom prst="line">
+            <a:avLst/>
+          </a:prstGeom>
+          <a:ln w="38100">
+            <a:solidFill>
+              <a:srgbClr val="FF0000"/>
+            </a:solidFill>
+            <a:headEnd type="triangle"/>
+          </a:ln>
+        </p:spPr>
+        <p:style>
+          <a:lnRef idx="1">
+            <a:schemeClr val="accent1"/>
+          </a:lnRef>
+          <a:fillRef idx="0">
+            <a:schemeClr val="accent1"/>
+          </a:fillRef>
+          <a:effectRef idx="0">
+            <a:schemeClr val="accent1"/>
+          </a:effectRef>
+          <a:fontRef idx="minor">
+            <a:schemeClr val="tx1"/>
+          </a:fontRef>
+        </p:style>
+      </p:cxnSp>
+      <p:cxnSp>
+        <p:nvCxnSpPr>
+          <p:cNvPr id="40" name="Gerade Verbindung 39">
+            <a:extLst>
+              <a:ext uri="{FF2B5EF4-FFF2-40B4-BE49-F238E27FC236}">
+                <a16:creationId xmlns:a16="http://schemas.microsoft.com/office/drawing/2014/main" id="{DE40544E-693F-3199-B6AF-E4EF50B40E79}"/>
+              </a:ext>
+            </a:extLst>
+          </p:cNvPr>
+          <p:cNvCxnSpPr>
+            <a:cxnSpLocks/>
+          </p:cNvCxnSpPr>
+          <p:nvPr/>
+        </p:nvCxnSpPr>
+        <p:spPr>
+          <a:xfrm flipV="1">
+            <a:off x="6096000" y="3673367"/>
+            <a:ext cx="0" cy="1087819"/>
+          </a:xfrm>
+          <a:prstGeom prst="line">
+            <a:avLst/>
+          </a:prstGeom>
+          <a:ln w="38100">
+            <a:solidFill>
+              <a:srgbClr val="FF0000"/>
+            </a:solidFill>
+            <a:headEnd type="triangle"/>
+          </a:ln>
+        </p:spPr>
+        <p:style>
+          <a:lnRef idx="1">
+            <a:schemeClr val="accent1"/>
+          </a:lnRef>
+          <a:fillRef idx="0">
+            <a:schemeClr val="accent1"/>
+          </a:fillRef>
+          <a:effectRef idx="0">
+            <a:schemeClr val="accent1"/>
+          </a:effectRef>
+          <a:fontRef idx="minor">
+            <a:schemeClr val="tx1"/>
+          </a:fontRef>
+        </p:style>
+      </p:cxnSp>
+      <p:sp>
+        <p:nvSpPr>
+          <p:cNvPr id="43" name="Rechteck 42">
+            <a:extLst>
+              <a:ext uri="{FF2B5EF4-FFF2-40B4-BE49-F238E27FC236}">
+                <a16:creationId xmlns:a16="http://schemas.microsoft.com/office/drawing/2014/main" id="{43B31B37-9E12-0114-DB62-B48849B45D96}"/>
+              </a:ext>
+            </a:extLst>
+          </p:cNvPr>
+          <p:cNvSpPr/>
+          <p:nvPr/>
+        </p:nvSpPr>
+        <p:spPr>
+          <a:xfrm>
+            <a:off x="4866290" y="2186152"/>
+            <a:ext cx="2522477" cy="2028496"/>
+          </a:xfrm>
+          <a:prstGeom prst="rect">
+            <a:avLst/>
+          </a:prstGeom>
+          <a:noFill/>
+          <a:ln w="38100">
+            <a:solidFill>
+              <a:srgbClr val="FF0000"/>
+            </a:solidFill>
+          </a:ln>
+        </p:spPr>
+        <p:style>
+          <a:lnRef idx="2">
+            <a:schemeClr val="accent1">
+              <a:shade val="50000"/>
+            </a:schemeClr>
+          </a:lnRef>
+          <a:fillRef idx="1">
+            <a:schemeClr val="accent1"/>
+          </a:fillRef>
+          <a:effectRef idx="0">
+            <a:schemeClr val="accent1"/>
+          </a:effectRef>
+          <a:fontRef idx="minor">
+            <a:schemeClr val="lt1"/>
+          </a:fontRef>
+        </p:style>
+        <p:txBody>
+          <a:bodyPr rtlCol="0" anchor="ctr"/>
+          <a:lstStyle/>
+          <a:p>
+            <a:pPr algn="ctr"/>
+            <a:endParaRPr lang="de-DE"/>
+          </a:p>
+        </p:txBody>
+      </p:sp>
+      <p:sp>
+        <p:nvSpPr>
+          <p:cNvPr id="44" name="Gewitterblitz 43">
+            <a:extLst>
+              <a:ext uri="{FF2B5EF4-FFF2-40B4-BE49-F238E27FC236}">
+                <a16:creationId xmlns:a16="http://schemas.microsoft.com/office/drawing/2014/main" id="{57338E21-2841-6A63-820F-9ED0AC436F1C}"/>
+              </a:ext>
+            </a:extLst>
+          </p:cNvPr>
+          <p:cNvSpPr/>
+          <p:nvPr/>
+        </p:nvSpPr>
+        <p:spPr>
+          <a:xfrm>
+            <a:off x="5748353" y="1967459"/>
+            <a:ext cx="669801" cy="525517"/>
+          </a:xfrm>
+          <a:prstGeom prst="lightningBolt">
+            <a:avLst/>
+          </a:prstGeom>
+          <a:solidFill>
+            <a:srgbClr val="FFFF00"/>
+          </a:solidFill>
+        </p:spPr>
+        <p:style>
+          <a:lnRef idx="2">
+            <a:schemeClr val="accent1">
+              <a:shade val="50000"/>
+            </a:schemeClr>
+          </a:lnRef>
+          <a:fillRef idx="1">
+            <a:schemeClr val="accent1"/>
+          </a:fillRef>
+          <a:effectRef idx="0">
+            <a:schemeClr val="accent1"/>
+          </a:effectRef>
+          <a:fontRef idx="minor">
+            <a:schemeClr val="lt1"/>
+          </a:fontRef>
+        </p:style>
+        <p:txBody>
+          <a:bodyPr rtlCol="0" anchor="ctr"/>
+          <a:lstStyle/>
+          <a:p>
+            <a:pPr algn="ctr"/>
+            <a:endParaRPr lang="de-DE">
+              <a:solidFill>
+                <a:srgbClr val="FFFF00"/>
+              </a:solidFill>
+            </a:endParaRPr>
+          </a:p>
+        </p:txBody>
+      </p:sp>
+      <p:sp>
+        <p:nvSpPr>
+          <p:cNvPr id="45" name="Gewitterblitz 44">
+            <a:extLst>
+              <a:ext uri="{FF2B5EF4-FFF2-40B4-BE49-F238E27FC236}">
+                <a16:creationId xmlns:a16="http://schemas.microsoft.com/office/drawing/2014/main" id="{1410B874-1CDB-774A-6AE0-682E05E3CDBA}"/>
+              </a:ext>
+            </a:extLst>
+          </p:cNvPr>
+          <p:cNvSpPr/>
+          <p:nvPr/>
+        </p:nvSpPr>
+        <p:spPr>
+          <a:xfrm>
+            <a:off x="4503776" y="2962439"/>
+            <a:ext cx="669801" cy="525517"/>
+          </a:xfrm>
+          <a:prstGeom prst="lightningBolt">
+            <a:avLst/>
+          </a:prstGeom>
+          <a:solidFill>
+            <a:srgbClr val="FFFF00"/>
+          </a:solidFill>
+        </p:spPr>
+        <p:style>
+          <a:lnRef idx="2">
+            <a:schemeClr val="accent1">
+              <a:shade val="50000"/>
+            </a:schemeClr>
+          </a:lnRef>
+          <a:fillRef idx="1">
+            <a:schemeClr val="accent1"/>
+          </a:fillRef>
+          <a:effectRef idx="0">
+            <a:schemeClr val="accent1"/>
+          </a:effectRef>
+          <a:fontRef idx="minor">
+            <a:schemeClr val="lt1"/>
+          </a:fontRef>
+        </p:style>
+        <p:txBody>
+          <a:bodyPr rtlCol="0" anchor="ctr"/>
+          <a:lstStyle/>
+          <a:p>
+            <a:pPr algn="ctr"/>
+            <a:endParaRPr lang="de-DE">
+              <a:solidFill>
+                <a:srgbClr val="FFFF00"/>
+              </a:solidFill>
+            </a:endParaRPr>
+          </a:p>
+        </p:txBody>
+      </p:sp>
+      <p:sp>
+        <p:nvSpPr>
+          <p:cNvPr id="46" name="Gewitterblitz 45">
+            <a:extLst>
+              <a:ext uri="{FF2B5EF4-FFF2-40B4-BE49-F238E27FC236}">
+                <a16:creationId xmlns:a16="http://schemas.microsoft.com/office/drawing/2014/main" id="{055EB720-B3A2-84EA-AE2F-E66DBF44F19C}"/>
+              </a:ext>
+            </a:extLst>
+          </p:cNvPr>
+          <p:cNvSpPr/>
+          <p:nvPr/>
+        </p:nvSpPr>
+        <p:spPr>
+          <a:xfrm>
+            <a:off x="5768326" y="3971485"/>
+            <a:ext cx="669801" cy="525517"/>
+          </a:xfrm>
+          <a:prstGeom prst="lightningBolt">
+            <a:avLst/>
+          </a:prstGeom>
+          <a:solidFill>
+            <a:srgbClr val="FFFF00"/>
+          </a:solidFill>
+        </p:spPr>
+        <p:style>
+          <a:lnRef idx="2">
+            <a:schemeClr val="accent1">
+              <a:shade val="50000"/>
+            </a:schemeClr>
+          </a:lnRef>
+          <a:fillRef idx="1">
+            <a:schemeClr val="accent1"/>
+          </a:fillRef>
+          <a:effectRef idx="0">
+            <a:schemeClr val="accent1"/>
+          </a:effectRef>
+          <a:fontRef idx="minor">
+            <a:schemeClr val="lt1"/>
+          </a:fontRef>
+        </p:style>
+        <p:txBody>
+          <a:bodyPr rtlCol="0" anchor="ctr"/>
+          <a:lstStyle/>
+          <a:p>
+            <a:pPr algn="ctr"/>
+            <a:endParaRPr lang="de-DE">
+              <a:solidFill>
+                <a:srgbClr val="FFFF00"/>
+              </a:solidFill>
+            </a:endParaRPr>
+          </a:p>
+        </p:txBody>
+      </p:sp>
+      <p:sp>
+        <p:nvSpPr>
+          <p:cNvPr id="47" name="Gewitterblitz 46">
+            <a:extLst>
+              <a:ext uri="{FF2B5EF4-FFF2-40B4-BE49-F238E27FC236}">
+                <a16:creationId xmlns:a16="http://schemas.microsoft.com/office/drawing/2014/main" id="{F5A10BD8-51AC-FD81-2BC6-0AF54E078DDB}"/>
+              </a:ext>
+            </a:extLst>
+          </p:cNvPr>
+          <p:cNvSpPr/>
+          <p:nvPr/>
+        </p:nvSpPr>
+        <p:spPr>
+          <a:xfrm>
+            <a:off x="7068114" y="2974921"/>
+            <a:ext cx="669801" cy="525517"/>
+          </a:xfrm>
+          <a:prstGeom prst="lightningBolt">
+            <a:avLst/>
+          </a:prstGeom>
+          <a:solidFill>
+            <a:srgbClr val="FFFF00"/>
+          </a:solidFill>
+        </p:spPr>
+        <p:style>
+          <a:lnRef idx="2">
+            <a:schemeClr val="accent1">
+              <a:shade val="50000"/>
+            </a:schemeClr>
+          </a:lnRef>
+          <a:fillRef idx="1">
+            <a:schemeClr val="accent1"/>
+          </a:fillRef>
+          <a:effectRef idx="0">
+            <a:schemeClr val="accent1"/>
+          </a:effectRef>
+          <a:fontRef idx="minor">
+            <a:schemeClr val="lt1"/>
+          </a:fontRef>
+        </p:style>
+        <p:txBody>
+          <a:bodyPr rtlCol="0" anchor="ctr"/>
+          <a:lstStyle/>
+          <a:p>
+            <a:pPr algn="ctr"/>
+            <a:endParaRPr lang="de-DE">
+              <a:solidFill>
+                <a:srgbClr val="FFFF00"/>
+              </a:solidFill>
+            </a:endParaRPr>
+          </a:p>
+        </p:txBody>
+      </p:sp>
+    </p:spTree>
+    <p:extLst>
+      <p:ext uri="{BB962C8B-B14F-4D97-AF65-F5344CB8AC3E}">
+        <p14:creationId xmlns:p14="http://schemas.microsoft.com/office/powerpoint/2010/main" val="3435534225"/>
+      </p:ext>
+    </p:extLst>
+  </p:cSld>
+  <p:clrMapOvr>
+    <a:masterClrMapping/>
+  </p:clrMapOvr>
+  <p:timing>
+    <p:tnLst>
+      <p:par>
+        <p:cTn id="1" dur="indefinite" restart="never" nodeType="tmRoot">
+          <p:childTnLst>
+            <p:seq concurrent="1" nextAc="seek">
+              <p:cTn id="2" dur="indefinite" nodeType="mainSeq">
+                <p:childTnLst>
+                  <p:par>
+                    <p:cTn id="3" fill="hold">
+                      <p:stCondLst>
+                        <p:cond delay="indefinite"/>
+                      </p:stCondLst>
+                      <p:childTnLst>
+                        <p:par>
+                          <p:cTn id="4" fill="hold">
+                            <p:stCondLst>
+                              <p:cond delay="0"/>
+                            </p:stCondLst>
+                            <p:childTnLst>
+                              <p:par>
+                                <p:cTn id="5" presetID="1" presetClass="entr" presetSubtype="0" fill="hold" grpId="0" nodeType="clickEffect">
+                                  <p:stCondLst>
+                                    <p:cond delay="0"/>
+                                  </p:stCondLst>
+                                  <p:childTnLst>
+                                    <p:set>
+                                      <p:cBhvr>
+                                        <p:cTn id="6" dur="1" fill="hold">
+                                          <p:stCondLst>
+                                            <p:cond delay="0"/>
+                                          </p:stCondLst>
+                                        </p:cTn>
+                                        <p:tgtEl>
+                                          <p:spTgt spid="14"/>
+                                        </p:tgtEl>
+                                        <p:attrNameLst>
+                                          <p:attrName>style.visibility</p:attrName>
+                                        </p:attrNameLst>
+                                      </p:cBhvr>
+                                      <p:to>
+                                        <p:strVal val="visible"/>
+                                      </p:to>
+                                    </p:set>
+                                  </p:childTnLst>
+                                </p:cTn>
+                              </p:par>
+                              <p:par>
+                                <p:cTn id="7" presetID="1" presetClass="entr" presetSubtype="0" fill="hold" grpId="0" nodeType="withEffect">
+                                  <p:stCondLst>
+                                    <p:cond delay="0"/>
+                                  </p:stCondLst>
+                                  <p:childTnLst>
+                                    <p:set>
+                                      <p:cBhvr>
+                                        <p:cTn id="8" dur="1" fill="hold">
+                                          <p:stCondLst>
+                                            <p:cond delay="0"/>
+                                          </p:stCondLst>
+                                        </p:cTn>
+                                        <p:tgtEl>
+                                          <p:spTgt spid="16"/>
+                                        </p:tgtEl>
+                                        <p:attrNameLst>
+                                          <p:attrName>style.visibility</p:attrName>
+                                        </p:attrNameLst>
+                                      </p:cBhvr>
+                                      <p:to>
+                                        <p:strVal val="visible"/>
+                                      </p:to>
+                                    </p:set>
+                                  </p:childTnLst>
+                                </p:cTn>
+                              </p:par>
+                              <p:par>
+                                <p:cTn id="9" presetID="1" presetClass="entr" presetSubtype="0" fill="hold" grpId="0" nodeType="withEffect">
+                                  <p:stCondLst>
+                                    <p:cond delay="0"/>
+                                  </p:stCondLst>
+                                  <p:childTnLst>
+                                    <p:set>
+                                      <p:cBhvr>
+                                        <p:cTn id="10" dur="1" fill="hold">
+                                          <p:stCondLst>
+                                            <p:cond delay="0"/>
+                                          </p:stCondLst>
+                                        </p:cTn>
+                                        <p:tgtEl>
+                                          <p:spTgt spid="17"/>
+                                        </p:tgtEl>
+                                        <p:attrNameLst>
+                                          <p:attrName>style.visibility</p:attrName>
+                                        </p:attrNameLst>
+                                      </p:cBhvr>
+                                      <p:to>
+                                        <p:strVal val="visible"/>
+                                      </p:to>
+                                    </p:set>
+                                  </p:childTnLst>
+                                </p:cTn>
+                              </p:par>
+                              <p:par>
+                                <p:cTn id="11" presetID="1" presetClass="entr" presetSubtype="0" fill="hold" grpId="0" nodeType="withEffect">
+                                  <p:stCondLst>
+                                    <p:cond delay="0"/>
+                                  </p:stCondLst>
+                                  <p:childTnLst>
+                                    <p:set>
+                                      <p:cBhvr>
+                                        <p:cTn id="12" dur="1" fill="hold">
+                                          <p:stCondLst>
+                                            <p:cond delay="0"/>
+                                          </p:stCondLst>
+                                        </p:cTn>
+                                        <p:tgtEl>
+                                          <p:spTgt spid="15"/>
+                                        </p:tgtEl>
+                                        <p:attrNameLst>
+                                          <p:attrName>style.visibility</p:attrName>
+                                        </p:attrNameLst>
+                                      </p:cBhvr>
+                                      <p:to>
+                                        <p:strVal val="visible"/>
+                                      </p:to>
+                                    </p:set>
+                                  </p:childTnLst>
+                                </p:cTn>
+                              </p:par>
+                            </p:childTnLst>
+                          </p:cTn>
+                        </p:par>
+                      </p:childTnLst>
+                    </p:cTn>
+                  </p:par>
+                  <p:par>
+                    <p:cTn id="13" fill="hold">
+                      <p:stCondLst>
+                        <p:cond delay="indefinite"/>
+                      </p:stCondLst>
+                      <p:childTnLst>
+                        <p:par>
+                          <p:cTn id="14" fill="hold">
+                            <p:stCondLst>
+                              <p:cond delay="0"/>
+                            </p:stCondLst>
+                            <p:childTnLst>
+                              <p:par>
+                                <p:cTn id="15" presetID="1" presetClass="entr" presetSubtype="0" fill="hold" nodeType="clickEffect">
+                                  <p:stCondLst>
+                                    <p:cond delay="0"/>
+                                  </p:stCondLst>
+                                  <p:childTnLst>
+                                    <p:set>
+                                      <p:cBhvr>
+                                        <p:cTn id="16" dur="1" fill="hold">
+                                          <p:stCondLst>
+                                            <p:cond delay="0"/>
+                                          </p:stCondLst>
+                                        </p:cTn>
+                                        <p:tgtEl>
+                                          <p:spTgt spid="22"/>
+                                        </p:tgtEl>
+                                        <p:attrNameLst>
+                                          <p:attrName>style.visibility</p:attrName>
+                                        </p:attrNameLst>
+                                      </p:cBhvr>
+                                      <p:to>
+                                        <p:strVal val="visible"/>
+                                      </p:to>
+                                    </p:set>
+                                  </p:childTnLst>
+                                </p:cTn>
+                              </p:par>
+                              <p:par>
+                                <p:cTn id="17" presetID="1" presetClass="entr" presetSubtype="0" fill="hold" nodeType="withEffect">
+                                  <p:stCondLst>
+                                    <p:cond delay="0"/>
+                                  </p:stCondLst>
+                                  <p:childTnLst>
+                                    <p:set>
+                                      <p:cBhvr>
+                                        <p:cTn id="18" dur="1" fill="hold">
+                                          <p:stCondLst>
+                                            <p:cond delay="0"/>
+                                          </p:stCondLst>
+                                        </p:cTn>
+                                        <p:tgtEl>
+                                          <p:spTgt spid="18"/>
+                                        </p:tgtEl>
+                                        <p:attrNameLst>
+                                          <p:attrName>style.visibility</p:attrName>
+                                        </p:attrNameLst>
+                                      </p:cBhvr>
+                                      <p:to>
+                                        <p:strVal val="visible"/>
+                                      </p:to>
+                                    </p:set>
+                                  </p:childTnLst>
+                                </p:cTn>
+                              </p:par>
+                              <p:par>
+                                <p:cTn id="19" presetID="1" presetClass="entr" presetSubtype="0" fill="hold" nodeType="withEffect">
+                                  <p:stCondLst>
+                                    <p:cond delay="0"/>
+                                  </p:stCondLst>
+                                  <p:childTnLst>
+                                    <p:set>
+                                      <p:cBhvr>
+                                        <p:cTn id="20" dur="1" fill="hold">
+                                          <p:stCondLst>
+                                            <p:cond delay="0"/>
+                                          </p:stCondLst>
+                                        </p:cTn>
+                                        <p:tgtEl>
+                                          <p:spTgt spid="28"/>
+                                        </p:tgtEl>
+                                        <p:attrNameLst>
+                                          <p:attrName>style.visibility</p:attrName>
+                                        </p:attrNameLst>
+                                      </p:cBhvr>
+                                      <p:to>
+                                        <p:strVal val="visible"/>
+                                      </p:to>
+                                    </p:set>
+                                  </p:childTnLst>
+                                </p:cTn>
+                              </p:par>
+                              <p:par>
+                                <p:cTn id="21" presetID="1" presetClass="entr" presetSubtype="0" fill="hold" nodeType="withEffect">
+                                  <p:stCondLst>
+                                    <p:cond delay="0"/>
+                                  </p:stCondLst>
+                                  <p:childTnLst>
+                                    <p:set>
+                                      <p:cBhvr>
+                                        <p:cTn id="22" dur="1" fill="hold">
+                                          <p:stCondLst>
+                                            <p:cond delay="0"/>
+                                          </p:stCondLst>
+                                        </p:cTn>
+                                        <p:tgtEl>
+                                          <p:spTgt spid="25"/>
+                                        </p:tgtEl>
+                                        <p:attrNameLst>
+                                          <p:attrName>style.visibility</p:attrName>
+                                        </p:attrNameLst>
+                                      </p:cBhvr>
+                                      <p:to>
+                                        <p:strVal val="visible"/>
+                                      </p:to>
+                                    </p:set>
+                                  </p:childTnLst>
+                                </p:cTn>
+                              </p:par>
+                            </p:childTnLst>
+                          </p:cTn>
+                        </p:par>
+                      </p:childTnLst>
+                    </p:cTn>
+                  </p:par>
+                  <p:par>
+                    <p:cTn id="23" fill="hold">
+                      <p:stCondLst>
+                        <p:cond delay="indefinite"/>
+                      </p:stCondLst>
+                      <p:childTnLst>
+                        <p:par>
+                          <p:cTn id="24" fill="hold">
+                            <p:stCondLst>
+                              <p:cond delay="0"/>
+                            </p:stCondLst>
+                            <p:childTnLst>
+                              <p:par>
+                                <p:cTn id="25" presetID="1" presetClass="entr" presetSubtype="0" fill="hold" nodeType="clickEffect">
+                                  <p:stCondLst>
+                                    <p:cond delay="0"/>
+                                  </p:stCondLst>
+                                  <p:childTnLst>
+                                    <p:set>
+                                      <p:cBhvr>
+                                        <p:cTn id="26" dur="1" fill="hold">
+                                          <p:stCondLst>
+                                            <p:cond delay="0"/>
+                                          </p:stCondLst>
+                                        </p:cTn>
+                                        <p:tgtEl>
+                                          <p:spTgt spid="34"/>
+                                        </p:tgtEl>
+                                        <p:attrNameLst>
+                                          <p:attrName>style.visibility</p:attrName>
+                                        </p:attrNameLst>
+                                      </p:cBhvr>
+                                      <p:to>
+                                        <p:strVal val="visible"/>
+                                      </p:to>
+                                    </p:set>
+                                  </p:childTnLst>
+                                </p:cTn>
+                              </p:par>
+                              <p:par>
+                                <p:cTn id="27" presetID="1" presetClass="entr" presetSubtype="0" fill="hold" nodeType="withEffect">
+                                  <p:stCondLst>
+                                    <p:cond delay="0"/>
+                                  </p:stCondLst>
+                                  <p:childTnLst>
+                                    <p:set>
+                                      <p:cBhvr>
+                                        <p:cTn id="28" dur="1" fill="hold">
+                                          <p:stCondLst>
+                                            <p:cond delay="0"/>
+                                          </p:stCondLst>
+                                        </p:cTn>
+                                        <p:tgtEl>
+                                          <p:spTgt spid="37"/>
+                                        </p:tgtEl>
+                                        <p:attrNameLst>
+                                          <p:attrName>style.visibility</p:attrName>
+                                        </p:attrNameLst>
+                                      </p:cBhvr>
+                                      <p:to>
+                                        <p:strVal val="visible"/>
+                                      </p:to>
+                                    </p:set>
+                                  </p:childTnLst>
+                                </p:cTn>
+                              </p:par>
+                              <p:par>
+                                <p:cTn id="29" presetID="1" presetClass="entr" presetSubtype="0" fill="hold" nodeType="withEffect">
+                                  <p:stCondLst>
+                                    <p:cond delay="0"/>
+                                  </p:stCondLst>
+                                  <p:childTnLst>
+                                    <p:set>
+                                      <p:cBhvr>
+                                        <p:cTn id="30" dur="1" fill="hold">
+                                          <p:stCondLst>
+                                            <p:cond delay="0"/>
+                                          </p:stCondLst>
+                                        </p:cTn>
+                                        <p:tgtEl>
+                                          <p:spTgt spid="40"/>
+                                        </p:tgtEl>
+                                        <p:attrNameLst>
+                                          <p:attrName>style.visibility</p:attrName>
+                                        </p:attrNameLst>
+                                      </p:cBhvr>
+                                      <p:to>
+                                        <p:strVal val="visible"/>
+                                      </p:to>
+                                    </p:set>
+                                  </p:childTnLst>
+                                </p:cTn>
+                              </p:par>
+                              <p:par>
+                                <p:cTn id="31" presetID="1" presetClass="entr" presetSubtype="0" fill="hold" nodeType="withEffect">
+                                  <p:stCondLst>
+                                    <p:cond delay="0"/>
+                                  </p:stCondLst>
+                                  <p:childTnLst>
+                                    <p:set>
+                                      <p:cBhvr>
+                                        <p:cTn id="32" dur="1" fill="hold">
+                                          <p:stCondLst>
+                                            <p:cond delay="0"/>
+                                          </p:stCondLst>
+                                        </p:cTn>
+                                        <p:tgtEl>
+                                          <p:spTgt spid="31"/>
+                                        </p:tgtEl>
+                                        <p:attrNameLst>
+                                          <p:attrName>style.visibility</p:attrName>
+                                        </p:attrNameLst>
+                                      </p:cBhvr>
+                                      <p:to>
+                                        <p:strVal val="visible"/>
+                                      </p:to>
+                                    </p:set>
+                                  </p:childTnLst>
+                                </p:cTn>
+                              </p:par>
+                            </p:childTnLst>
+                          </p:cTn>
+                        </p:par>
+                      </p:childTnLst>
+                    </p:cTn>
+                  </p:par>
+                  <p:par>
+                    <p:cTn id="33" fill="hold">
+                      <p:stCondLst>
+                        <p:cond delay="indefinite"/>
+                      </p:stCondLst>
+                      <p:childTnLst>
+                        <p:par>
+                          <p:cTn id="34" fill="hold">
+                            <p:stCondLst>
+                              <p:cond delay="0"/>
+                            </p:stCondLst>
+                            <p:childTnLst>
+                              <p:par>
+                                <p:cTn id="35" presetID="1" presetClass="entr" presetSubtype="0" fill="hold" grpId="0" nodeType="clickEffect">
+                                  <p:stCondLst>
+                                    <p:cond delay="0"/>
+                                  </p:stCondLst>
+                                  <p:childTnLst>
+                                    <p:set>
+                                      <p:cBhvr>
+                                        <p:cTn id="36" dur="1" fill="hold">
+                                          <p:stCondLst>
+                                            <p:cond delay="0"/>
+                                          </p:stCondLst>
+                                        </p:cTn>
+                                        <p:tgtEl>
+                                          <p:spTgt spid="43"/>
+                                        </p:tgtEl>
+                                        <p:attrNameLst>
+                                          <p:attrName>style.visibility</p:attrName>
+                                        </p:attrNameLst>
+                                      </p:cBhvr>
+                                      <p:to>
+                                        <p:strVal val="visible"/>
+                                      </p:to>
+                                    </p:set>
+                                  </p:childTnLst>
+                                </p:cTn>
+                              </p:par>
+                            </p:childTnLst>
+                          </p:cTn>
+                        </p:par>
+                      </p:childTnLst>
+                    </p:cTn>
+                  </p:par>
+                  <p:par>
+                    <p:cTn id="37" fill="hold">
+                      <p:stCondLst>
+                        <p:cond delay="indefinite"/>
+                      </p:stCondLst>
+                      <p:childTnLst>
+                        <p:par>
+                          <p:cTn id="38" fill="hold">
+                            <p:stCondLst>
+                              <p:cond delay="0"/>
+                            </p:stCondLst>
+                            <p:childTnLst>
+                              <p:par>
+                                <p:cTn id="39" presetID="19" presetClass="entr" presetSubtype="10" fill="hold" grpId="0" nodeType="clickEffect">
+                                  <p:stCondLst>
+                                    <p:cond delay="0"/>
+                                  </p:stCondLst>
+                                  <p:childTnLst>
+                                    <p:set>
+                                      <p:cBhvr>
+                                        <p:cTn id="40" dur="1" fill="hold">
+                                          <p:stCondLst>
+                                            <p:cond delay="0"/>
+                                          </p:stCondLst>
+                                        </p:cTn>
+                                        <p:tgtEl>
+                                          <p:spTgt spid="46"/>
+                                        </p:tgtEl>
+                                        <p:attrNameLst>
+                                          <p:attrName>style.visibility</p:attrName>
+                                        </p:attrNameLst>
+                                      </p:cBhvr>
+                                      <p:to>
+                                        <p:strVal val="visible"/>
+                                      </p:to>
+                                    </p:set>
+                                    <p:anim calcmode="lin" valueType="num">
+                                      <p:cBhvr>
+                                        <p:cTn id="41" dur="5000" fill="hold"/>
+                                        <p:tgtEl>
+                                          <p:spTgt spid="46"/>
+                                        </p:tgtEl>
+                                        <p:attrNameLst>
+                                          <p:attrName>ppt_w</p:attrName>
+                                        </p:attrNameLst>
+                                      </p:cBhvr>
+                                      <p:tavLst>
+                                        <p:tav tm="0" fmla="#ppt_w*sin(2.5*pi*$)">
+                                          <p:val>
+                                            <p:fltVal val="0"/>
+                                          </p:val>
+                                        </p:tav>
+                                        <p:tav tm="100000">
+                                          <p:val>
+                                            <p:fltVal val="1"/>
+                                          </p:val>
+                                        </p:tav>
+                                      </p:tavLst>
+                                    </p:anim>
+                                    <p:anim calcmode="lin" valueType="num">
+                                      <p:cBhvr>
+                                        <p:cTn id="42" dur="5000" fill="hold"/>
+                                        <p:tgtEl>
+                                          <p:spTgt spid="46"/>
+                                        </p:tgtEl>
+                                        <p:attrNameLst>
+                                          <p:attrName>ppt_h</p:attrName>
+                                        </p:attrNameLst>
+                                      </p:cBhvr>
+                                      <p:tavLst>
+                                        <p:tav tm="0">
+                                          <p:val>
+                                            <p:strVal val="#ppt_h"/>
+                                          </p:val>
+                                        </p:tav>
+                                        <p:tav tm="100000">
+                                          <p:val>
+                                            <p:strVal val="#ppt_h"/>
+                                          </p:val>
+                                        </p:tav>
+                                      </p:tavLst>
+                                    </p:anim>
+                                  </p:childTnLst>
+                                </p:cTn>
+                              </p:par>
+                              <p:par>
+                                <p:cTn id="43" presetID="19" presetClass="entr" presetSubtype="10" fill="hold" grpId="0" nodeType="withEffect">
+                                  <p:stCondLst>
+                                    <p:cond delay="0"/>
+                                  </p:stCondLst>
+                                  <p:childTnLst>
+                                    <p:set>
+                                      <p:cBhvr>
+                                        <p:cTn id="44" dur="1" fill="hold">
+                                          <p:stCondLst>
+                                            <p:cond delay="0"/>
+                                          </p:stCondLst>
+                                        </p:cTn>
+                                        <p:tgtEl>
+                                          <p:spTgt spid="47"/>
+                                        </p:tgtEl>
+                                        <p:attrNameLst>
+                                          <p:attrName>style.visibility</p:attrName>
+                                        </p:attrNameLst>
+                                      </p:cBhvr>
+                                      <p:to>
+                                        <p:strVal val="visible"/>
+                                      </p:to>
+                                    </p:set>
+                                    <p:anim calcmode="lin" valueType="num">
+                                      <p:cBhvr>
+                                        <p:cTn id="45" dur="5000" fill="hold"/>
+                                        <p:tgtEl>
+                                          <p:spTgt spid="47"/>
+                                        </p:tgtEl>
+                                        <p:attrNameLst>
+                                          <p:attrName>ppt_w</p:attrName>
+                                        </p:attrNameLst>
+                                      </p:cBhvr>
+                                      <p:tavLst>
+                                        <p:tav tm="0" fmla="#ppt_w*sin(2.5*pi*$)">
+                                          <p:val>
+                                            <p:fltVal val="0"/>
+                                          </p:val>
+                                        </p:tav>
+                                        <p:tav tm="100000">
+                                          <p:val>
+                                            <p:fltVal val="1"/>
+                                          </p:val>
+                                        </p:tav>
+                                      </p:tavLst>
+                                    </p:anim>
+                                    <p:anim calcmode="lin" valueType="num">
+                                      <p:cBhvr>
+                                        <p:cTn id="46" dur="5000" fill="hold"/>
+                                        <p:tgtEl>
+                                          <p:spTgt spid="47"/>
+                                        </p:tgtEl>
+                                        <p:attrNameLst>
+                                          <p:attrName>ppt_h</p:attrName>
+                                        </p:attrNameLst>
+                                      </p:cBhvr>
+                                      <p:tavLst>
+                                        <p:tav tm="0">
+                                          <p:val>
+                                            <p:strVal val="#ppt_h"/>
+                                          </p:val>
+                                        </p:tav>
+                                        <p:tav tm="100000">
+                                          <p:val>
+                                            <p:strVal val="#ppt_h"/>
+                                          </p:val>
+                                        </p:tav>
+                                      </p:tavLst>
+                                    </p:anim>
+                                  </p:childTnLst>
+                                </p:cTn>
+                              </p:par>
+                              <p:par>
+                                <p:cTn id="47" presetID="19" presetClass="entr" presetSubtype="10" fill="hold" grpId="0" nodeType="withEffect">
+                                  <p:stCondLst>
+                                    <p:cond delay="0"/>
+                                  </p:stCondLst>
+                                  <p:childTnLst>
+                                    <p:set>
+                                      <p:cBhvr>
+                                        <p:cTn id="48" dur="1" fill="hold">
+                                          <p:stCondLst>
+                                            <p:cond delay="0"/>
+                                          </p:stCondLst>
+                                        </p:cTn>
+                                        <p:tgtEl>
+                                          <p:spTgt spid="45"/>
+                                        </p:tgtEl>
+                                        <p:attrNameLst>
+                                          <p:attrName>style.visibility</p:attrName>
+                                        </p:attrNameLst>
+                                      </p:cBhvr>
+                                      <p:to>
+                                        <p:strVal val="visible"/>
+                                      </p:to>
+                                    </p:set>
+                                    <p:anim calcmode="lin" valueType="num">
+                                      <p:cBhvr>
+                                        <p:cTn id="49" dur="5000" fill="hold"/>
+                                        <p:tgtEl>
+                                          <p:spTgt spid="45"/>
+                                        </p:tgtEl>
+                                        <p:attrNameLst>
+                                          <p:attrName>ppt_w</p:attrName>
+                                        </p:attrNameLst>
+                                      </p:cBhvr>
+                                      <p:tavLst>
+                                        <p:tav tm="0" fmla="#ppt_w*sin(2.5*pi*$)">
+                                          <p:val>
+                                            <p:fltVal val="0"/>
+                                          </p:val>
+                                        </p:tav>
+                                        <p:tav tm="100000">
+                                          <p:val>
+                                            <p:fltVal val="1"/>
+                                          </p:val>
+                                        </p:tav>
+                                      </p:tavLst>
+                                    </p:anim>
+                                    <p:anim calcmode="lin" valueType="num">
+                                      <p:cBhvr>
+                                        <p:cTn id="50" dur="5000" fill="hold"/>
+                                        <p:tgtEl>
+                                          <p:spTgt spid="45"/>
+                                        </p:tgtEl>
+                                        <p:attrNameLst>
+                                          <p:attrName>ppt_h</p:attrName>
+                                        </p:attrNameLst>
+                                      </p:cBhvr>
+                                      <p:tavLst>
+                                        <p:tav tm="0">
+                                          <p:val>
+                                            <p:strVal val="#ppt_h"/>
+                                          </p:val>
+                                        </p:tav>
+                                        <p:tav tm="100000">
+                                          <p:val>
+                                            <p:strVal val="#ppt_h"/>
+                                          </p:val>
+                                        </p:tav>
+                                      </p:tavLst>
+                                    </p:anim>
+                                  </p:childTnLst>
+                                </p:cTn>
+                              </p:par>
+                              <p:par>
+                                <p:cTn id="51" presetID="19" presetClass="entr" presetSubtype="10" fill="hold" grpId="0" nodeType="withEffect">
+                                  <p:stCondLst>
+                                    <p:cond delay="0"/>
+                                  </p:stCondLst>
+                                  <p:childTnLst>
+                                    <p:set>
+                                      <p:cBhvr>
+                                        <p:cTn id="52" dur="1" fill="hold">
+                                          <p:stCondLst>
+                                            <p:cond delay="0"/>
+                                          </p:stCondLst>
+                                        </p:cTn>
+                                        <p:tgtEl>
+                                          <p:spTgt spid="44"/>
+                                        </p:tgtEl>
+                                        <p:attrNameLst>
+                                          <p:attrName>style.visibility</p:attrName>
+                                        </p:attrNameLst>
+                                      </p:cBhvr>
+                                      <p:to>
+                                        <p:strVal val="visible"/>
+                                      </p:to>
+                                    </p:set>
+                                    <p:anim calcmode="lin" valueType="num">
+                                      <p:cBhvr>
+                                        <p:cTn id="53" dur="5000" fill="hold"/>
+                                        <p:tgtEl>
+                                          <p:spTgt spid="44"/>
+                                        </p:tgtEl>
+                                        <p:attrNameLst>
+                                          <p:attrName>ppt_w</p:attrName>
+                                        </p:attrNameLst>
+                                      </p:cBhvr>
+                                      <p:tavLst>
+                                        <p:tav tm="0" fmla="#ppt_w*sin(2.5*pi*$)">
+                                          <p:val>
+                                            <p:fltVal val="0"/>
+                                          </p:val>
+                                        </p:tav>
+                                        <p:tav tm="100000">
+                                          <p:val>
+                                            <p:fltVal val="1"/>
+                                          </p:val>
+                                        </p:tav>
+                                      </p:tavLst>
+                                    </p:anim>
+                                    <p:anim calcmode="lin" valueType="num">
+                                      <p:cBhvr>
+                                        <p:cTn id="54" dur="5000" fill="hold"/>
+                                        <p:tgtEl>
+                                          <p:spTgt spid="44"/>
+                                        </p:tgtEl>
+                                        <p:attrNameLst>
+                                          <p:attrName>ppt_h</p:attrName>
+                                        </p:attrNameLst>
+                                      </p:cBhvr>
+                                      <p:tavLst>
+                                        <p:tav tm="0">
+                                          <p:val>
+                                            <p:strVal val="#ppt_h"/>
+                                          </p:val>
+                                        </p:tav>
+                                        <p:tav tm="100000">
+                                          <p:val>
+                                            <p:strVal val="#ppt_h"/>
+                                          </p:val>
+                                        </p:tav>
+                                      </p:tavLst>
+                                    </p:anim>
+                                  </p:childTnLst>
+                                </p:cTn>
+                              </p:par>
+                            </p:childTnLst>
+                          </p:cTn>
+                        </p:par>
+                      </p:childTnLst>
+                    </p:cTn>
+                  </p:par>
+                </p:childTnLst>
+              </p:cTn>
+              <p:prevCondLst>
+                <p:cond evt="onPrev" delay="0">
+                  <p:tgtEl>
+                    <p:sldTgt/>
+                  </p:tgtEl>
+                </p:cond>
+              </p:prevCondLst>
+              <p:nextCondLst>
+                <p:cond evt="onNext" delay="0">
+                  <p:tgtEl>
+                    <p:sldTgt/>
+                  </p:tgtEl>
+                </p:cond>
+              </p:nextCondLst>
+            </p:seq>
+          </p:childTnLst>
+        </p:cTn>
+      </p:par>
+    </p:tnLst>
+    <p:bldLst>
+      <p:bldP spid="14" grpId="0"/>
+      <p:bldP spid="15" grpId="0"/>
+      <p:bldP spid="16" grpId="0"/>
+      <p:bldP spid="17" grpId="0"/>
+      <p:bldP spid="43" grpId="0" animBg="1"/>
+      <p:bldP spid="44" grpId="0" animBg="1"/>
+      <p:bldP spid="45" grpId="0" animBg="1"/>
+      <p:bldP spid="46" grpId="0" animBg="1"/>
+      <p:bldP spid="47" grpId="0" animBg="1"/>
+    </p:bldLst>
+  </p:timing>
+</p:sld>
+</file>
+
+<file path=ppt/slides/slide16.xml><?xml version="1.0" encoding="utf-8"?>
+<p:sld xmlns:a="http://schemas.openxmlformats.org/drawingml/2006/main" xmlns:r="http://schemas.openxmlformats.org/officeDocument/2006/relationships" xmlns:p="http://schemas.openxmlformats.org/presentationml/2006/main">
+  <p:cSld>
+    <p:spTree>
+      <p:nvGrpSpPr>
+        <p:cNvPr id="1" name=""/>
+        <p:cNvGrpSpPr/>
+        <p:nvPr/>
+      </p:nvGrpSpPr>
+      <p:grpSpPr>
+        <a:xfrm>
+          <a:off x="0" y="0"/>
+          <a:ext cx="0" cy="0"/>
+          <a:chOff x="0" y="0"/>
+          <a:chExt cx="0" cy="0"/>
+        </a:xfrm>
+      </p:grpSpPr>
+      <p:sp>
+        <p:nvSpPr>
+          <p:cNvPr id="2" name="Titel 1">
+            <a:extLst>
+              <a:ext uri="{FF2B5EF4-FFF2-40B4-BE49-F238E27FC236}">
+                <a16:creationId xmlns:a16="http://schemas.microsoft.com/office/drawing/2014/main" id="{349EC4EC-8287-B7B2-AA2F-95166F1C3ED6}"/>
+              </a:ext>
+            </a:extLst>
+          </p:cNvPr>
+          <p:cNvSpPr>
+            <a:spLocks noGrp="1"/>
+          </p:cNvSpPr>
+          <p:nvPr>
+            <p:ph type="title"/>
+          </p:nvPr>
+        </p:nvSpPr>
+        <p:spPr/>
+        <p:txBody>
+          <a:bodyPr/>
+          <a:lstStyle/>
+          <a:p>
+            <a:r>
+              <a:rPr lang="de-DE" dirty="0"/>
+              <a:t>Next </a:t>
+            </a:r>
+            <a:r>
+              <a:rPr lang="de-DE" dirty="0" err="1"/>
+              <a:t>steps</a:t>
+            </a:r>
+            <a:endParaRPr lang="de-DE" dirty="0"/>
+          </a:p>
+        </p:txBody>
+      </p:sp>
+      <p:sp>
+        <p:nvSpPr>
+          <p:cNvPr id="3" name="Inhaltsplatzhalter 2">
+            <a:extLst>
+              <a:ext uri="{FF2B5EF4-FFF2-40B4-BE49-F238E27FC236}">
+                <a16:creationId xmlns:a16="http://schemas.microsoft.com/office/drawing/2014/main" id="{87A03802-8D7F-C39E-440A-3B6BC70E7130}"/>
+              </a:ext>
+            </a:extLst>
+          </p:cNvPr>
+          <p:cNvSpPr>
+            <a:spLocks noGrp="1"/>
+          </p:cNvSpPr>
+          <p:nvPr>
+            <p:ph idx="1"/>
+          </p:nvPr>
+        </p:nvSpPr>
+        <p:spPr/>
+        <p:txBody>
+          <a:bodyPr/>
+          <a:lstStyle/>
+          <a:p>
+            <a:r>
+              <a:rPr lang="de-DE" dirty="0"/>
+              <a:t>Fix </a:t>
+            </a:r>
+            <a:r>
+              <a:rPr lang="de-DE" dirty="0" err="1"/>
+              <a:t>the</a:t>
+            </a:r>
+            <a:r>
+              <a:rPr lang="de-DE" dirty="0"/>
+              <a:t> </a:t>
+            </a:r>
+            <a:r>
+              <a:rPr lang="de-DE" dirty="0" err="1"/>
+              <a:t>bug</a:t>
+            </a:r>
+            <a:endParaRPr lang="de-DE" dirty="0"/>
+          </a:p>
+          <a:p>
+            <a:r>
+              <a:rPr lang="de-DE" dirty="0"/>
+              <a:t>Add </a:t>
+            </a:r>
+            <a:r>
+              <a:rPr lang="de-DE" dirty="0" err="1"/>
+              <a:t>automated</a:t>
+            </a:r>
+            <a:r>
+              <a:rPr lang="de-DE" dirty="0"/>
+              <a:t> </a:t>
+            </a:r>
+            <a:r>
+              <a:rPr lang="de-DE" dirty="0" err="1"/>
+              <a:t>testing</a:t>
+            </a:r>
+            <a:r>
+              <a:rPr lang="de-DE" dirty="0"/>
+              <a:t> -&gt; </a:t>
+            </a:r>
+            <a:r>
+              <a:rPr lang="de-DE" dirty="0" err="1"/>
+              <a:t>compare</a:t>
+            </a:r>
+            <a:r>
+              <a:rPr lang="de-DE" dirty="0"/>
+              <a:t> </a:t>
+            </a:r>
+            <a:r>
+              <a:rPr lang="de-DE" dirty="0" err="1"/>
+              <a:t>to</a:t>
+            </a:r>
+            <a:r>
+              <a:rPr lang="de-DE" dirty="0"/>
+              <a:t> </a:t>
+            </a:r>
+            <a:r>
+              <a:rPr lang="de-DE" dirty="0" err="1"/>
+              <a:t>other</a:t>
+            </a:r>
+            <a:r>
+              <a:rPr lang="de-DE" dirty="0"/>
+              <a:t> </a:t>
+            </a:r>
+            <a:r>
+              <a:rPr lang="de-DE" dirty="0" err="1"/>
+              <a:t>implementations</a:t>
+            </a:r>
+            <a:endParaRPr lang="de-DE" dirty="0"/>
+          </a:p>
+          <a:p>
+            <a:r>
+              <a:rPr lang="de-DE" dirty="0" err="1"/>
+              <a:t>Optimize</a:t>
+            </a:r>
+            <a:endParaRPr lang="de-DE" dirty="0"/>
+          </a:p>
+        </p:txBody>
+      </p:sp>
+    </p:spTree>
+    <p:extLst>
+      <p:ext uri="{BB962C8B-B14F-4D97-AF65-F5344CB8AC3E}">
+        <p14:creationId xmlns:p14="http://schemas.microsoft.com/office/powerpoint/2010/main" val="3649643932"/>
       </p:ext>
     </p:extLst>
   </p:cSld>
